--- a/メモ_緯度経度の画像.pptx
+++ b/メモ_緯度経度の画像.pptx
@@ -3,11 +3,18 @@
 <p:presentation xmlns:a="http://schemas.openxmlformats.org/drawingml/2006/main" xmlns:p="http://schemas.openxmlformats.org/presentationml/2006/main" xmlns:r="http://schemas.openxmlformats.org/officeDocument/2006/relationships" xmlns:p14="http://schemas.microsoft.com/office/powerpoint/2010/main" xmlns:p15="http://schemas.microsoft.com/office/powerpoint/2012/main" xmlns:mc="http://schemas.openxmlformats.org/markup-compatibility/2006">
   <p:sldMasterIdLst>
     <p:sldMasterId id="2147483648" r:id="rId2"/>
+    <p:sldMasterId id="2147483650" r:id="rId3"/>
+    <p:sldMasterId id="2147483653" r:id="rId4"/>
   </p:sldMasterIdLst>
   <p:sldIdLst>
-    <p:sldId id="256" r:id="rId3"/>
-    <p:sldId id="257" r:id="rId4"/>
-    <p:sldId id="258" r:id="rId5"/>
+    <p:sldId id="256" r:id="rId5"/>
+    <p:sldId id="257" r:id="rId6"/>
+    <p:sldId id="258" r:id="rId7"/>
+    <p:sldId id="259" r:id="rId8"/>
+    <p:sldId id="260" r:id="rId9"/>
+    <p:sldId id="261" r:id="rId10"/>
+    <p:sldId id="262" r:id="rId11"/>
+    <p:sldId id="263" r:id="rId12"/>
   </p:sldIdLst>
   <p:sldSz cx="10080625" cy="5670550"/>
   <p:notesSz cx="7559675" cy="10691813"/>
@@ -44,7 +51,7 @@
         <p:spPr>
           <a:xfrm>
             <a:off x="504000" y="226080"/>
-            <a:ext cx="9071640" cy="946440"/>
+            <a:ext cx="9070920" cy="945720"/>
           </a:xfrm>
           <a:prstGeom prst="rect">
             <a:avLst/>
@@ -85,7 +92,7 @@
         <p:spPr>
           <a:xfrm>
             <a:off x="504000" y="1326600"/>
-            <a:ext cx="9071640" cy="3288240"/>
+            <a:ext cx="9070920" cy="3287520"/>
           </a:xfrm>
           <a:prstGeom prst="rect">
             <a:avLst/>
@@ -120,7 +127,7 @@
             <a:spLocks noGrp="1"/>
           </p:cNvSpPr>
           <p:nvPr>
-            <p:ph type="ftr" idx="2"/>
+            <p:ph type="ftr" idx="1"/>
           </p:nvPr>
         </p:nvSpPr>
         <p:spPr/>
@@ -140,14 +147,14 @@
             <a:spLocks noGrp="1"/>
           </p:cNvSpPr>
           <p:nvPr>
-            <p:ph type="sldNum" idx="3"/>
+            <p:ph type="sldNum" idx="2"/>
           </p:nvPr>
         </p:nvSpPr>
         <p:spPr/>
         <p:txBody>
           <a:bodyPr/>
           <a:p>
-            <a:fld id="{DE3A22CC-2D50-4969-8BA8-7CDFC98877CD}" type="slidenum">
+            <a:fld id="{16D0A559-C44E-45BA-AF80-18380C00EC5C}" type="slidenum">
               <a:t>&lt;#&gt;</a:t>
             </a:fld>
           </a:p>
@@ -160,7 +167,7 @@
             <a:spLocks noGrp="1"/>
           </p:cNvSpPr>
           <p:nvPr>
-            <p:ph type="dt" idx="1"/>
+            <p:ph type="dt" idx="3"/>
           </p:nvPr>
         </p:nvSpPr>
         <p:spPr/>
@@ -181,7 +188,7 @@
 
 <file path=ppt/slideLayouts/slideLayout2.xml><?xml version="1.0" encoding="utf-8"?>
 <p:sldLayout xmlns:a="http://schemas.openxmlformats.org/drawingml/2006/main" xmlns:p="http://schemas.openxmlformats.org/presentationml/2006/main" xmlns:r="http://schemas.openxmlformats.org/officeDocument/2006/relationships" xmlns:p14="http://schemas.microsoft.com/office/powerpoint/2010/main" xmlns:p15="http://schemas.microsoft.com/office/powerpoint/2012/main" xmlns:mc="http://schemas.openxmlformats.org/markup-compatibility/2006" type="tx" preserve="1">
-  <p:cSld name="標準">
+  <p:cSld name="標準 1">
     <p:spTree>
       <p:nvGrpSpPr>
         <p:cNvPr id="1" name=""/>
@@ -198,7 +205,7 @@
       </p:grpSpPr>
       <p:sp>
         <p:nvSpPr>
-          <p:cNvPr id="7" name="PlaceHolder 1"/>
+          <p:cNvPr id="12" name="PlaceHolder 1"/>
           <p:cNvSpPr>
             <a:spLocks noGrp="1"/>
           </p:cNvSpPr>
@@ -209,7 +216,7 @@
         <p:spPr>
           <a:xfrm>
             <a:off x="504000" y="226080"/>
-            <a:ext cx="9071640" cy="946440"/>
+            <a:ext cx="9070920" cy="945720"/>
           </a:xfrm>
           <a:prstGeom prst="rect">
             <a:avLst/>
@@ -239,7 +246,7 @@
       </p:sp>
       <p:sp>
         <p:nvSpPr>
-          <p:cNvPr id="8" name="PlaceHolder 2"/>
+          <p:cNvPr id="13" name="PlaceHolder 2"/>
           <p:cNvSpPr>
             <a:spLocks noGrp="1"/>
           </p:cNvSpPr>
@@ -250,7 +257,7 @@
         <p:spPr>
           <a:xfrm>
             <a:off x="504000" y="1326600"/>
-            <a:ext cx="9071640" cy="3288240"/>
+            <a:ext cx="9070920" cy="3287520"/>
           </a:xfrm>
           <a:prstGeom prst="rect">
             <a:avLst/>
@@ -288,7 +295,7 @@
             <a:spLocks noGrp="1"/>
           </p:cNvSpPr>
           <p:nvPr>
-            <p:ph type="ftr" idx="2"/>
+            <p:ph type="ftr" idx="4"/>
           </p:nvPr>
         </p:nvSpPr>
         <p:spPr/>
@@ -308,14 +315,14 @@
             <a:spLocks noGrp="1"/>
           </p:cNvSpPr>
           <p:nvPr>
-            <p:ph type="sldNum" idx="3"/>
+            <p:ph type="sldNum" idx="5"/>
           </p:nvPr>
         </p:nvSpPr>
         <p:spPr/>
         <p:txBody>
           <a:bodyPr/>
           <a:p>
-            <a:fld id="{242F46C2-7861-4FFB-8B7F-37EC4B0BF6B4}" type="slidenum">
+            <a:fld id="{0247A349-3208-43BB-A253-1906E66C70EA}" type="slidenum">
               <a:t>&lt;#&gt;</a:t>
             </a:fld>
           </a:p>
@@ -328,7 +335,337 @@
             <a:spLocks noGrp="1"/>
           </p:cNvSpPr>
           <p:nvPr>
-            <p:ph type="dt" idx="1"/>
+            <p:ph type="dt" idx="6"/>
+          </p:nvPr>
+        </p:nvSpPr>
+        <p:spPr/>
+        <p:txBody>
+          <a:bodyPr/>
+          <a:p>
+            <a:r>
+              <a:rPr lang="ja-JP"/>
+              <a:t/>
+            </a:r>
+          </a:p>
+        </p:txBody>
+      </p:sp>
+    </p:spTree>
+  </p:cSld>
+</p:sldLayout>
+</file>
+
+<file path=ppt/slideLayouts/slideLayout3.xml><?xml version="1.0" encoding="utf-8"?>
+<p:sldLayout xmlns:a="http://schemas.openxmlformats.org/drawingml/2006/main" xmlns:p="http://schemas.openxmlformats.org/presentationml/2006/main" xmlns:r="http://schemas.openxmlformats.org/officeDocument/2006/relationships" xmlns:p14="http://schemas.microsoft.com/office/powerpoint/2010/main" xmlns:p15="http://schemas.microsoft.com/office/powerpoint/2012/main" xmlns:mc="http://schemas.openxmlformats.org/markup-compatibility/2006" type="title" preserve="1">
+  <p:cSld name="標準 1">
+    <p:spTree>
+      <p:nvGrpSpPr>
+        <p:cNvPr id="1" name=""/>
+        <p:cNvGrpSpPr/>
+        <p:nvPr/>
+      </p:nvGrpSpPr>
+      <p:grpSpPr>
+        <a:xfrm>
+          <a:off x="0" y="0"/>
+          <a:ext cx="0" cy="0"/>
+          <a:chOff x="0" y="0"/>
+          <a:chExt cx="0" cy="0"/>
+        </a:xfrm>
+      </p:grpSpPr>
+      <p:sp>
+        <p:nvSpPr>
+          <p:cNvPr id="14" name="PlaceHolder 1"/>
+          <p:cNvSpPr>
+            <a:spLocks noGrp="1"/>
+          </p:cNvSpPr>
+          <p:nvPr>
+            <p:ph type="title"/>
+          </p:nvPr>
+        </p:nvSpPr>
+        <p:spPr>
+          <a:xfrm>
+            <a:off x="504000" y="226080"/>
+            <a:ext cx="9070920" cy="945720"/>
+          </a:xfrm>
+          <a:prstGeom prst="rect">
+            <a:avLst/>
+          </a:prstGeom>
+          <a:noFill/>
+          <a:ln w="0">
+            <a:noFill/>
+          </a:ln>
+        </p:spPr>
+        <p:txBody>
+          <a:bodyPr lIns="0" rIns="0" tIns="0" bIns="0" anchor="ctr">
+            <a:noAutofit/>
+          </a:bodyPr>
+          <a:p>
+            <a:pPr indent="0" algn="ctr">
+              <a:buNone/>
+            </a:pPr>
+            <a:endParaRPr b="0" lang="en-US" sz="4400" strike="noStrike" u="none">
+              <a:solidFill>
+                <a:srgbClr val="000000"/>
+              </a:solidFill>
+              <a:uFillTx/>
+              <a:latin typeface="Arial"/>
+            </a:endParaRPr>
+          </a:p>
+        </p:txBody>
+      </p:sp>
+      <p:sp>
+        <p:nvSpPr>
+          <p:cNvPr id="15" name="PlaceHolder 2"/>
+          <p:cNvSpPr>
+            <a:spLocks noGrp="1"/>
+          </p:cNvSpPr>
+          <p:nvPr>
+            <p:ph type="subTitle"/>
+          </p:nvPr>
+        </p:nvSpPr>
+        <p:spPr>
+          <a:xfrm>
+            <a:off x="504000" y="1326600"/>
+            <a:ext cx="9070920" cy="3287520"/>
+          </a:xfrm>
+          <a:prstGeom prst="rect">
+            <a:avLst/>
+          </a:prstGeom>
+          <a:noFill/>
+          <a:ln w="0">
+            <a:noFill/>
+          </a:ln>
+        </p:spPr>
+        <p:txBody>
+          <a:bodyPr lIns="0" rIns="0" tIns="0" bIns="0" anchor="ctr">
+            <a:noAutofit/>
+          </a:bodyPr>
+          <a:p>
+            <a:pPr indent="0" algn="ctr">
+              <a:buNone/>
+            </a:pPr>
+            <a:endParaRPr b="0" lang="en-US" sz="3200" strike="noStrike" u="none">
+              <a:solidFill>
+                <a:srgbClr val="000000"/>
+              </a:solidFill>
+              <a:uFillTx/>
+              <a:latin typeface="Arial"/>
+            </a:endParaRPr>
+          </a:p>
+        </p:txBody>
+      </p:sp>
+      <p:sp>
+        <p:nvSpPr>
+          <p:cNvPr id="4" name="PlaceHolder 3"/>
+          <p:cNvSpPr>
+            <a:spLocks noGrp="1"/>
+          </p:cNvSpPr>
+          <p:nvPr>
+            <p:ph type="ftr" idx="4"/>
+          </p:nvPr>
+        </p:nvSpPr>
+        <p:spPr/>
+        <p:txBody>
+          <a:bodyPr/>
+          <a:p>
+            <a:r>
+              <a:t>Footer</a:t>
+            </a:r>
+          </a:p>
+        </p:txBody>
+      </p:sp>
+      <p:sp>
+        <p:nvSpPr>
+          <p:cNvPr id="5" name="PlaceHolder 4"/>
+          <p:cNvSpPr>
+            <a:spLocks noGrp="1"/>
+          </p:cNvSpPr>
+          <p:nvPr>
+            <p:ph type="sldNum" idx="5"/>
+          </p:nvPr>
+        </p:nvSpPr>
+        <p:spPr/>
+        <p:txBody>
+          <a:bodyPr/>
+          <a:p>
+            <a:fld id="{B574AF90-2671-453F-AC75-CAA8C311A0D3}" type="slidenum">
+              <a:t>&lt;#&gt;</a:t>
+            </a:fld>
+          </a:p>
+        </p:txBody>
+      </p:sp>
+      <p:sp>
+        <p:nvSpPr>
+          <p:cNvPr id="6" name="PlaceHolder 5"/>
+          <p:cNvSpPr>
+            <a:spLocks noGrp="1"/>
+          </p:cNvSpPr>
+          <p:nvPr>
+            <p:ph type="dt" idx="6"/>
+          </p:nvPr>
+        </p:nvSpPr>
+        <p:spPr/>
+        <p:txBody>
+          <a:bodyPr/>
+          <a:p>
+            <a:r>
+              <a:rPr lang="ja-JP"/>
+              <a:t/>
+            </a:r>
+          </a:p>
+        </p:txBody>
+      </p:sp>
+    </p:spTree>
+  </p:cSld>
+</p:sldLayout>
+</file>
+
+<file path=ppt/slideLayouts/slideLayout4.xml><?xml version="1.0" encoding="utf-8"?>
+<p:sldLayout xmlns:a="http://schemas.openxmlformats.org/drawingml/2006/main" xmlns:p="http://schemas.openxmlformats.org/presentationml/2006/main" xmlns:r="http://schemas.openxmlformats.org/officeDocument/2006/relationships" xmlns:p14="http://schemas.microsoft.com/office/powerpoint/2010/main" xmlns:p15="http://schemas.microsoft.com/office/powerpoint/2012/main" xmlns:mc="http://schemas.openxmlformats.org/markup-compatibility/2006" type="title" preserve="1">
+  <p:cSld name="標準 2">
+    <p:spTree>
+      <p:nvGrpSpPr>
+        <p:cNvPr id="1" name=""/>
+        <p:cNvGrpSpPr/>
+        <p:nvPr/>
+      </p:nvGrpSpPr>
+      <p:grpSpPr>
+        <a:xfrm>
+          <a:off x="0" y="0"/>
+          <a:ext cx="0" cy="0"/>
+          <a:chOff x="0" y="0"/>
+          <a:chExt cx="0" cy="0"/>
+        </a:xfrm>
+      </p:grpSpPr>
+      <p:sp>
+        <p:nvSpPr>
+          <p:cNvPr id="20" name="PlaceHolder 1"/>
+          <p:cNvSpPr>
+            <a:spLocks noGrp="1"/>
+          </p:cNvSpPr>
+          <p:nvPr>
+            <p:ph type="title"/>
+          </p:nvPr>
+        </p:nvSpPr>
+        <p:spPr>
+          <a:xfrm>
+            <a:off x="504000" y="226080"/>
+            <a:ext cx="9070920" cy="945720"/>
+          </a:xfrm>
+          <a:prstGeom prst="rect">
+            <a:avLst/>
+          </a:prstGeom>
+          <a:noFill/>
+          <a:ln w="0">
+            <a:noFill/>
+          </a:ln>
+        </p:spPr>
+        <p:txBody>
+          <a:bodyPr lIns="0" rIns="0" tIns="0" bIns="0" anchor="ctr">
+            <a:noAutofit/>
+          </a:bodyPr>
+          <a:p>
+            <a:pPr indent="0" algn="ctr">
+              <a:buNone/>
+            </a:pPr>
+            <a:endParaRPr b="0" lang="en-US" sz="4400" strike="noStrike" u="none">
+              <a:solidFill>
+                <a:srgbClr val="000000"/>
+              </a:solidFill>
+              <a:uFillTx/>
+              <a:latin typeface="Arial"/>
+            </a:endParaRPr>
+          </a:p>
+        </p:txBody>
+      </p:sp>
+      <p:sp>
+        <p:nvSpPr>
+          <p:cNvPr id="21" name="PlaceHolder 2"/>
+          <p:cNvSpPr>
+            <a:spLocks noGrp="1"/>
+          </p:cNvSpPr>
+          <p:nvPr>
+            <p:ph type="subTitle"/>
+          </p:nvPr>
+        </p:nvSpPr>
+        <p:spPr>
+          <a:xfrm>
+            <a:off x="504000" y="1326600"/>
+            <a:ext cx="9070920" cy="3287520"/>
+          </a:xfrm>
+          <a:prstGeom prst="rect">
+            <a:avLst/>
+          </a:prstGeom>
+          <a:noFill/>
+          <a:ln w="0">
+            <a:noFill/>
+          </a:ln>
+        </p:spPr>
+        <p:txBody>
+          <a:bodyPr lIns="0" rIns="0" tIns="0" bIns="0" anchor="ctr">
+            <a:noAutofit/>
+          </a:bodyPr>
+          <a:p>
+            <a:pPr indent="0" algn="ctr">
+              <a:buNone/>
+            </a:pPr>
+            <a:endParaRPr b="0" lang="en-US" sz="3200" strike="noStrike" u="none">
+              <a:solidFill>
+                <a:srgbClr val="000000"/>
+              </a:solidFill>
+              <a:uFillTx/>
+              <a:latin typeface="Arial"/>
+            </a:endParaRPr>
+          </a:p>
+        </p:txBody>
+      </p:sp>
+      <p:sp>
+        <p:nvSpPr>
+          <p:cNvPr id="4" name="PlaceHolder 3"/>
+          <p:cNvSpPr>
+            <a:spLocks noGrp="1"/>
+          </p:cNvSpPr>
+          <p:nvPr>
+            <p:ph type="ftr" idx="7"/>
+          </p:nvPr>
+        </p:nvSpPr>
+        <p:spPr/>
+        <p:txBody>
+          <a:bodyPr/>
+          <a:p>
+            <a:r>
+              <a:t>Footer</a:t>
+            </a:r>
+          </a:p>
+        </p:txBody>
+      </p:sp>
+      <p:sp>
+        <p:nvSpPr>
+          <p:cNvPr id="5" name="PlaceHolder 4"/>
+          <p:cNvSpPr>
+            <a:spLocks noGrp="1"/>
+          </p:cNvSpPr>
+          <p:nvPr>
+            <p:ph type="sldNum" idx="8"/>
+          </p:nvPr>
+        </p:nvSpPr>
+        <p:spPr/>
+        <p:txBody>
+          <a:bodyPr/>
+          <a:p>
+            <a:fld id="{8AFB99BD-1EBA-46B9-AAC4-7AABBFB0D2F3}" type="slidenum">
+              <a:t>&lt;#&gt;</a:t>
+            </a:fld>
+          </a:p>
+        </p:txBody>
+      </p:sp>
+      <p:sp>
+        <p:nvSpPr>
+          <p:cNvPr id="6" name="PlaceHolder 5"/>
+          <p:cNvSpPr>
+            <a:spLocks noGrp="1"/>
+          </p:cNvSpPr>
+          <p:nvPr>
+            <p:ph type="dt" idx="9"/>
           </p:nvPr>
         </p:nvSpPr>
         <p:spPr/>
@@ -377,7 +714,7 @@
         <p:spPr>
           <a:xfrm>
             <a:off x="504000" y="226080"/>
-            <a:ext cx="9071640" cy="946440"/>
+            <a:ext cx="9070920" cy="945720"/>
           </a:xfrm>
           <a:prstGeom prst="rect">
             <a:avLst/>
@@ -392,43 +729,118 @@
             <a:noAutofit/>
           </a:bodyPr>
           <a:p>
+            <a:pPr indent="0">
+              <a:buNone/>
+            </a:pPr>
+            <a:r>
+              <a:rPr b="0" lang="ja-JP" sz="1800" strike="noStrike" u="none">
+                <a:solidFill>
+                  <a:srgbClr val="000000"/>
+                </a:solidFill>
+                <a:uFillTx/>
+                <a:latin typeface="Arial"/>
+              </a:rPr>
+              <a:t>クリックしてタイトルテキストを編集</a:t>
+            </a:r>
+            <a:endParaRPr b="0" lang="en-US" sz="1800" strike="noStrike" u="none">
+              <a:solidFill>
+                <a:srgbClr val="000000"/>
+              </a:solidFill>
+              <a:uFillTx/>
+              <a:latin typeface="Arial"/>
+            </a:endParaRPr>
+          </a:p>
+        </p:txBody>
+      </p:sp>
+      <p:sp>
+        <p:nvSpPr>
+          <p:cNvPr id="1" name="PlaceHolder 2"/>
+          <p:cNvSpPr>
+            <a:spLocks noGrp="1"/>
+          </p:cNvSpPr>
+          <p:nvPr>
+            <p:ph type="ftr" idx="1"/>
+          </p:nvPr>
+        </p:nvSpPr>
+        <p:spPr>
+          <a:xfrm>
+            <a:off x="3447360" y="5165280"/>
+            <a:ext cx="3194280" cy="389880"/>
+          </a:xfrm>
+          <a:prstGeom prst="rect">
+            <a:avLst/>
+          </a:prstGeom>
+          <a:noFill/>
+          <a:ln w="0">
+            <a:noFill/>
+          </a:ln>
+        </p:spPr>
+        <p:txBody>
+          <a:bodyPr lIns="0" rIns="0" tIns="0" bIns="0" anchor="t">
+            <a:noAutofit/>
+          </a:bodyPr>
+          <a:lstStyle>
+            <a:lvl1pPr indent="0" algn="ctr">
+              <a:lnSpc>
+                <a:spcPct val="100000"/>
+              </a:lnSpc>
+              <a:buNone/>
+              <a:tabLst>
+                <a:tab algn="l" pos="0"/>
+              </a:tabLst>
+              <a:defRPr b="0" lang="en-US" sz="1400" strike="noStrike" u="none">
+                <a:solidFill>
+                  <a:srgbClr val="000000"/>
+                </a:solidFill>
+                <a:uFillTx/>
+                <a:latin typeface="游明朝"/>
+              </a:defRPr>
+            </a:lvl1pPr>
+          </a:lstStyle>
+          <a:p>
             <a:pPr indent="0" algn="ctr">
+              <a:lnSpc>
+                <a:spcPct val="100000"/>
+              </a:lnSpc>
               <a:buNone/>
-            </a:pPr>
-            <a:r>
-              <a:rPr b="0" lang="ja-JP" sz="4400" strike="noStrike" u="none">
-                <a:solidFill>
-                  <a:srgbClr val="000000"/>
-                </a:solidFill>
-                <a:uFillTx/>
-                <a:latin typeface="Arial"/>
-              </a:rPr>
-              <a:t>クリックしてタイトルテキストを編集</a:t>
-            </a:r>
-            <a:endParaRPr b="0" lang="en-US" sz="4400" strike="noStrike" u="none">
-              <a:solidFill>
-                <a:srgbClr val="000000"/>
-              </a:solidFill>
-              <a:uFillTx/>
-              <a:latin typeface="Arial"/>
-            </a:endParaRPr>
-          </a:p>
-        </p:txBody>
-      </p:sp>
-      <p:sp>
-        <p:nvSpPr>
-          <p:cNvPr id="1" name="PlaceHolder 2"/>
-          <p:cNvSpPr>
-            <a:spLocks noGrp="1"/>
-          </p:cNvSpPr>
-          <p:nvPr>
-            <p:ph type="body"/>
-          </p:nvPr>
-        </p:nvSpPr>
-        <p:spPr>
-          <a:xfrm>
-            <a:off x="504000" y="1326600"/>
-            <a:ext cx="9071640" cy="3288240"/>
+              <a:tabLst>
+                <a:tab algn="l" pos="0"/>
+              </a:tabLst>
+            </a:pPr>
+            <a:r>
+              <a:rPr b="0" lang="en-US" sz="1400" strike="noStrike" u="none">
+                <a:solidFill>
+                  <a:srgbClr val="000000"/>
+                </a:solidFill>
+                <a:uFillTx/>
+                <a:latin typeface="游明朝"/>
+              </a:rPr>
+              <a:t>&lt;フッター&gt;</a:t>
+            </a:r>
+            <a:endParaRPr b="0" lang="en-US" sz="1400" strike="noStrike" u="none">
+              <a:solidFill>
+                <a:srgbClr val="000000"/>
+              </a:solidFill>
+              <a:uFillTx/>
+              <a:latin typeface="游明朝"/>
+            </a:endParaRPr>
+          </a:p>
+        </p:txBody>
+      </p:sp>
+      <p:sp>
+        <p:nvSpPr>
+          <p:cNvPr id="2" name="PlaceHolder 3"/>
+          <p:cNvSpPr>
+            <a:spLocks noGrp="1"/>
+          </p:cNvSpPr>
+          <p:nvPr>
+            <p:ph type="sldNum" idx="2"/>
+          </p:nvPr>
+        </p:nvSpPr>
+        <p:spPr>
+          <a:xfrm>
+            <a:off x="7227360" y="5165280"/>
+            <a:ext cx="2347560" cy="389880"/>
           </a:xfrm>
           <a:prstGeom prst="rect">
             <a:avLst/>
@@ -440,294 +852,70 @@
         </p:spPr>
         <p:txBody>
           <a:bodyPr lIns="0" rIns="0" tIns="0" bIns="0" anchor="t">
-            <a:normAutofit/>
+            <a:noAutofit/>
           </a:bodyPr>
-          <a:p>
-            <a:pPr marL="432000" indent="-324000">
-              <a:spcBef>
-                <a:spcPts val="1417"/>
-              </a:spcBef>
-              <a:buClr>
-                <a:srgbClr val="000000"/>
-              </a:buClr>
-              <a:buSzPct val="45000"/>
-              <a:buFont typeface="Wingdings" charset="2"/>
-              <a:buChar char=""/>
-            </a:pPr>
-            <a:r>
-              <a:rPr b="0" lang="ja-JP" sz="3200" strike="noStrike" u="none">
-                <a:solidFill>
-                  <a:srgbClr val="000000"/>
-                </a:solidFill>
-                <a:uFillTx/>
-                <a:latin typeface="Arial"/>
-              </a:rPr>
-              <a:t>クリックしてアウトラインのテキストを編集</a:t>
-            </a:r>
-            <a:endParaRPr b="0" lang="en-US" sz="3200" strike="noStrike" u="none">
-              <a:solidFill>
-                <a:srgbClr val="000000"/>
-              </a:solidFill>
-              <a:uFillTx/>
-              <a:latin typeface="Arial"/>
-            </a:endParaRPr>
-          </a:p>
-          <a:p>
-            <a:pPr lvl="1" marL="864000" indent="-324000">
-              <a:spcBef>
-                <a:spcPts val="1134"/>
-              </a:spcBef>
-              <a:buClr>
-                <a:srgbClr val="000000"/>
-              </a:buClr>
-              <a:buSzPct val="75000"/>
-              <a:buFont typeface="Symbol" charset="2"/>
-              <a:buChar char=""/>
-            </a:pPr>
-            <a:r>
-              <a:rPr b="0" lang="en-US" sz="2800" strike="noStrike" u="none">
-                <a:solidFill>
-                  <a:srgbClr val="000000"/>
-                </a:solidFill>
-                <a:uFillTx/>
-                <a:latin typeface="Arial"/>
-              </a:rPr>
-              <a:t>2</a:t>
-            </a:r>
-            <a:r>
-              <a:rPr b="0" lang="ja-JP" sz="2800" strike="noStrike" u="none">
-                <a:solidFill>
-                  <a:srgbClr val="000000"/>
-                </a:solidFill>
-                <a:uFillTx/>
-                <a:latin typeface="Arial"/>
-              </a:rPr>
-              <a:t>レベル目のアウトライン</a:t>
-            </a:r>
-            <a:endParaRPr b="0" lang="en-US" sz="2800" strike="noStrike" u="none">
-              <a:solidFill>
-                <a:srgbClr val="000000"/>
-              </a:solidFill>
-              <a:uFillTx/>
-              <a:latin typeface="Arial"/>
-            </a:endParaRPr>
-          </a:p>
-          <a:p>
-            <a:pPr lvl="2" marL="1296000" indent="-288000">
-              <a:spcBef>
-                <a:spcPts val="850"/>
-              </a:spcBef>
-              <a:buClr>
-                <a:srgbClr val="000000"/>
-              </a:buClr>
-              <a:buSzPct val="45000"/>
-              <a:buFont typeface="Wingdings" charset="2"/>
-              <a:buChar char=""/>
-            </a:pPr>
-            <a:r>
-              <a:rPr b="0" lang="en-US" sz="2400" strike="noStrike" u="none">
-                <a:solidFill>
-                  <a:srgbClr val="000000"/>
-                </a:solidFill>
-                <a:uFillTx/>
-                <a:latin typeface="Arial"/>
-              </a:rPr>
-              <a:t>3</a:t>
-            </a:r>
-            <a:r>
-              <a:rPr b="0" lang="ja-JP" sz="2400" strike="noStrike" u="none">
-                <a:solidFill>
-                  <a:srgbClr val="000000"/>
-                </a:solidFill>
-                <a:uFillTx/>
-                <a:latin typeface="Arial"/>
-              </a:rPr>
-              <a:t>レベル目のアウトライン</a:t>
-            </a:r>
-            <a:endParaRPr b="0" lang="en-US" sz="2400" strike="noStrike" u="none">
-              <a:solidFill>
-                <a:srgbClr val="000000"/>
-              </a:solidFill>
-              <a:uFillTx/>
-              <a:latin typeface="Arial"/>
-            </a:endParaRPr>
-          </a:p>
-          <a:p>
-            <a:pPr lvl="3" marL="1728000" indent="-216000">
-              <a:spcBef>
-                <a:spcPts val="567"/>
-              </a:spcBef>
-              <a:buClr>
-                <a:srgbClr val="000000"/>
-              </a:buClr>
-              <a:buSzPct val="75000"/>
-              <a:buFont typeface="Symbol" charset="2"/>
-              <a:buChar char=""/>
-            </a:pPr>
-            <a:r>
-              <a:rPr b="0" lang="en-US" sz="2000" strike="noStrike" u="none">
-                <a:solidFill>
-                  <a:srgbClr val="000000"/>
-                </a:solidFill>
-                <a:uFillTx/>
-                <a:latin typeface="Arial"/>
-              </a:rPr>
-              <a:t>4</a:t>
-            </a:r>
-            <a:r>
-              <a:rPr b="0" lang="ja-JP" sz="2000" strike="noStrike" u="none">
-                <a:solidFill>
-                  <a:srgbClr val="000000"/>
-                </a:solidFill>
-                <a:uFillTx/>
-                <a:latin typeface="Arial"/>
-              </a:rPr>
-              <a:t>レベル目のアウトライン</a:t>
-            </a:r>
-            <a:endParaRPr b="0" lang="en-US" sz="2000" strike="noStrike" u="none">
-              <a:solidFill>
-                <a:srgbClr val="000000"/>
-              </a:solidFill>
-              <a:uFillTx/>
-              <a:latin typeface="Arial"/>
-            </a:endParaRPr>
-          </a:p>
-          <a:p>
-            <a:pPr lvl="4" marL="2160000" indent="-216000">
-              <a:spcBef>
-                <a:spcPts val="283"/>
-              </a:spcBef>
-              <a:buClr>
-                <a:srgbClr val="000000"/>
-              </a:buClr>
-              <a:buSzPct val="45000"/>
-              <a:buFont typeface="Wingdings" charset="2"/>
-              <a:buChar char=""/>
-            </a:pPr>
-            <a:r>
-              <a:rPr b="0" lang="en-US" sz="2000" strike="noStrike" u="none">
-                <a:solidFill>
-                  <a:srgbClr val="000000"/>
-                </a:solidFill>
-                <a:uFillTx/>
-                <a:latin typeface="Arial"/>
-              </a:rPr>
-              <a:t>5</a:t>
-            </a:r>
-            <a:r>
-              <a:rPr b="0" lang="ja-JP" sz="2000" strike="noStrike" u="none">
-                <a:solidFill>
-                  <a:srgbClr val="000000"/>
-                </a:solidFill>
-                <a:uFillTx/>
-                <a:latin typeface="Arial"/>
-              </a:rPr>
-              <a:t>レベル目のアウトライン</a:t>
-            </a:r>
-            <a:endParaRPr b="0" lang="en-US" sz="2000" strike="noStrike" u="none">
-              <a:solidFill>
-                <a:srgbClr val="000000"/>
-              </a:solidFill>
-              <a:uFillTx/>
-              <a:latin typeface="Arial"/>
-            </a:endParaRPr>
-          </a:p>
-          <a:p>
-            <a:pPr lvl="5" marL="2592000" indent="-216000">
-              <a:spcBef>
-                <a:spcPts val="283"/>
-              </a:spcBef>
-              <a:buClr>
-                <a:srgbClr val="000000"/>
-              </a:buClr>
-              <a:buSzPct val="45000"/>
-              <a:buFont typeface="Wingdings" charset="2"/>
-              <a:buChar char=""/>
-            </a:pPr>
-            <a:r>
-              <a:rPr b="0" lang="en-US" sz="2000" strike="noStrike" u="none">
-                <a:solidFill>
-                  <a:srgbClr val="000000"/>
-                </a:solidFill>
-                <a:uFillTx/>
-                <a:latin typeface="Arial"/>
-              </a:rPr>
-              <a:t>6</a:t>
-            </a:r>
-            <a:r>
-              <a:rPr b="0" lang="ja-JP" sz="2000" strike="noStrike" u="none">
-                <a:solidFill>
-                  <a:srgbClr val="000000"/>
-                </a:solidFill>
-                <a:uFillTx/>
-                <a:latin typeface="Arial"/>
-              </a:rPr>
-              <a:t>レベル目のアウトライン</a:t>
-            </a:r>
-            <a:endParaRPr b="0" lang="en-US" sz="2000" strike="noStrike" u="none">
-              <a:solidFill>
-                <a:srgbClr val="000000"/>
-              </a:solidFill>
-              <a:uFillTx/>
-              <a:latin typeface="Arial"/>
-            </a:endParaRPr>
-          </a:p>
-          <a:p>
-            <a:pPr lvl="6" marL="3024000" indent="-216000">
-              <a:spcBef>
-                <a:spcPts val="283"/>
-              </a:spcBef>
-              <a:buClr>
-                <a:srgbClr val="000000"/>
-              </a:buClr>
-              <a:buSzPct val="45000"/>
-              <a:buFont typeface="Wingdings" charset="2"/>
-              <a:buChar char=""/>
-            </a:pPr>
-            <a:r>
-              <a:rPr b="0" lang="en-US" sz="2000" strike="noStrike" u="none">
-                <a:solidFill>
-                  <a:srgbClr val="000000"/>
-                </a:solidFill>
-                <a:uFillTx/>
-                <a:latin typeface="Arial"/>
-              </a:rPr>
-              <a:t>7</a:t>
-            </a:r>
-            <a:r>
-              <a:rPr b="0" lang="ja-JP" sz="2000" strike="noStrike" u="none">
-                <a:solidFill>
-                  <a:srgbClr val="000000"/>
-                </a:solidFill>
-                <a:uFillTx/>
-                <a:latin typeface="Arial"/>
-              </a:rPr>
-              <a:t>レベル目のアウトライン</a:t>
-            </a:r>
-            <a:endParaRPr b="0" lang="en-US" sz="2000" strike="noStrike" u="none">
-              <a:solidFill>
-                <a:srgbClr val="000000"/>
-              </a:solidFill>
-              <a:uFillTx/>
-              <a:latin typeface="Arial"/>
-            </a:endParaRPr>
-          </a:p>
-        </p:txBody>
-      </p:sp>
-      <p:sp>
-        <p:nvSpPr>
-          <p:cNvPr id="2" name="PlaceHolder 3"/>
-          <p:cNvSpPr>
-            <a:spLocks noGrp="1"/>
-          </p:cNvSpPr>
-          <p:nvPr>
-            <p:ph type="dt" idx="1"/>
+          <a:lstStyle>
+            <a:lvl1pPr indent="0" algn="r">
+              <a:lnSpc>
+                <a:spcPct val="100000"/>
+              </a:lnSpc>
+              <a:buNone/>
+              <a:tabLst>
+                <a:tab algn="l" pos="0"/>
+              </a:tabLst>
+              <a:defRPr b="0" lang="en-US" sz="1400" strike="noStrike" u="none">
+                <a:solidFill>
+                  <a:srgbClr val="000000"/>
+                </a:solidFill>
+                <a:uFillTx/>
+                <a:latin typeface="游明朝"/>
+              </a:defRPr>
+            </a:lvl1pPr>
+          </a:lstStyle>
+          <a:p>
+            <a:pPr indent="0" algn="r">
+              <a:lnSpc>
+                <a:spcPct val="100000"/>
+              </a:lnSpc>
+              <a:buNone/>
+              <a:tabLst>
+                <a:tab algn="l" pos="0"/>
+              </a:tabLst>
+            </a:pPr>
+            <a:fld id="{40350670-9F66-491D-A826-108304F34C2F}" type="slidenum">
+              <a:rPr b="0" lang="en-US" sz="1400" strike="noStrike" u="none">
+                <a:solidFill>
+                  <a:srgbClr val="000000"/>
+                </a:solidFill>
+                <a:uFillTx/>
+                <a:latin typeface="游明朝"/>
+              </a:rPr>
+              <a:t>&lt;番号&gt;</a:t>
+            </a:fld>
+            <a:endParaRPr b="0" lang="en-US" sz="1400" strike="noStrike" u="none">
+              <a:solidFill>
+                <a:srgbClr val="000000"/>
+              </a:solidFill>
+              <a:uFillTx/>
+              <a:latin typeface="游明朝"/>
+            </a:endParaRPr>
+          </a:p>
+        </p:txBody>
+      </p:sp>
+      <p:sp>
+        <p:nvSpPr>
+          <p:cNvPr id="3" name="PlaceHolder 4"/>
+          <p:cNvSpPr>
+            <a:spLocks noGrp="1"/>
+          </p:cNvSpPr>
+          <p:nvPr>
+            <p:ph type="dt" idx="3"/>
           </p:nvPr>
         </p:nvSpPr>
         <p:spPr>
           <a:xfrm>
             <a:off x="504000" y="5165280"/>
-            <a:ext cx="2348280" cy="390600"/>
+            <a:ext cx="2347560" cy="389880"/>
           </a:xfrm>
           <a:prstGeom prst="rect">
             <a:avLst/>
@@ -779,18 +967,693 @@
       </p:sp>
       <p:sp>
         <p:nvSpPr>
-          <p:cNvPr id="3" name="PlaceHolder 4"/>
-          <p:cNvSpPr>
-            <a:spLocks noGrp="1"/>
-          </p:cNvSpPr>
-          <p:nvPr>
-            <p:ph type="ftr" idx="2"/>
+          <p:cNvPr id="4" name="PlaceHolder 5"/>
+          <p:cNvSpPr>
+            <a:spLocks noGrp="1"/>
+          </p:cNvSpPr>
+          <p:nvPr>
+            <p:ph type="body"/>
+          </p:nvPr>
+        </p:nvSpPr>
+        <p:spPr>
+          <a:xfrm>
+            <a:off x="504000" y="1326600"/>
+            <a:ext cx="9072000" cy="3288600"/>
+          </a:xfrm>
+          <a:prstGeom prst="rect">
+            <a:avLst/>
+          </a:prstGeom>
+          <a:noFill/>
+          <a:ln w="0">
+            <a:noFill/>
+          </a:ln>
+        </p:spPr>
+        <p:txBody>
+          <a:bodyPr lIns="0" rIns="0" tIns="0" bIns="0" anchor="t">
+            <a:normAutofit/>
+          </a:bodyPr>
+          <a:p>
+            <a:pPr marL="432000" indent="-324000">
+              <a:spcBef>
+                <a:spcPts val="1417"/>
+              </a:spcBef>
+              <a:buClr>
+                <a:srgbClr val="000000"/>
+              </a:buClr>
+              <a:buSzPct val="45000"/>
+              <a:buFont typeface="Wingdings" charset="2"/>
+              <a:buChar char=""/>
+            </a:pPr>
+            <a:r>
+              <a:rPr b="0" lang="ja-JP" sz="3200" strike="noStrike" u="none">
+                <a:solidFill>
+                  <a:srgbClr val="000000"/>
+                </a:solidFill>
+                <a:uFillTx/>
+                <a:latin typeface="Arial"/>
+              </a:rPr>
+              <a:t>クリックしてアウトラインのテキストを編集</a:t>
+            </a:r>
+            <a:endParaRPr b="0" lang="en-US" sz="3200" strike="noStrike" u="none">
+              <a:solidFill>
+                <a:srgbClr val="000000"/>
+              </a:solidFill>
+              <a:uFillTx/>
+              <a:latin typeface="Arial"/>
+            </a:endParaRPr>
+          </a:p>
+          <a:p>
+            <a:pPr lvl="1" marL="864000" indent="-324000">
+              <a:spcBef>
+                <a:spcPts val="1134"/>
+              </a:spcBef>
+              <a:buClr>
+                <a:srgbClr val="000000"/>
+              </a:buClr>
+              <a:buSzPct val="75000"/>
+              <a:buFont typeface="Symbol" charset="2"/>
+              <a:buChar char=""/>
+            </a:pPr>
+            <a:r>
+              <a:rPr b="0" lang="en-US" sz="2800" strike="noStrike" u="none">
+                <a:solidFill>
+                  <a:srgbClr val="000000"/>
+                </a:solidFill>
+                <a:uFillTx/>
+                <a:latin typeface="Arial"/>
+              </a:rPr>
+              <a:t>2</a:t>
+            </a:r>
+            <a:r>
+              <a:rPr b="0" lang="ja-JP" sz="2800" strike="noStrike" u="none">
+                <a:solidFill>
+                  <a:srgbClr val="000000"/>
+                </a:solidFill>
+                <a:uFillTx/>
+                <a:latin typeface="Arial"/>
+              </a:rPr>
+              <a:t>レベル目のアウトライン</a:t>
+            </a:r>
+            <a:endParaRPr b="0" lang="en-US" sz="2800" strike="noStrike" u="none">
+              <a:solidFill>
+                <a:srgbClr val="000000"/>
+              </a:solidFill>
+              <a:uFillTx/>
+              <a:latin typeface="Arial"/>
+            </a:endParaRPr>
+          </a:p>
+          <a:p>
+            <a:pPr lvl="2" marL="1296000" indent="-288000">
+              <a:spcBef>
+                <a:spcPts val="850"/>
+              </a:spcBef>
+              <a:buClr>
+                <a:srgbClr val="000000"/>
+              </a:buClr>
+              <a:buSzPct val="45000"/>
+              <a:buFont typeface="Wingdings" charset="2"/>
+              <a:buChar char=""/>
+            </a:pPr>
+            <a:r>
+              <a:rPr b="0" lang="en-US" sz="2400" strike="noStrike" u="none">
+                <a:solidFill>
+                  <a:srgbClr val="000000"/>
+                </a:solidFill>
+                <a:uFillTx/>
+                <a:latin typeface="Arial"/>
+              </a:rPr>
+              <a:t>3</a:t>
+            </a:r>
+            <a:r>
+              <a:rPr b="0" lang="ja-JP" sz="2400" strike="noStrike" u="none">
+                <a:solidFill>
+                  <a:srgbClr val="000000"/>
+                </a:solidFill>
+                <a:uFillTx/>
+                <a:latin typeface="Arial"/>
+              </a:rPr>
+              <a:t>レベル目のアウトライン</a:t>
+            </a:r>
+            <a:endParaRPr b="0" lang="en-US" sz="2400" strike="noStrike" u="none">
+              <a:solidFill>
+                <a:srgbClr val="000000"/>
+              </a:solidFill>
+              <a:uFillTx/>
+              <a:latin typeface="Arial"/>
+            </a:endParaRPr>
+          </a:p>
+          <a:p>
+            <a:pPr lvl="3" marL="1728000" indent="-216000">
+              <a:spcBef>
+                <a:spcPts val="567"/>
+              </a:spcBef>
+              <a:buClr>
+                <a:srgbClr val="000000"/>
+              </a:buClr>
+              <a:buSzPct val="75000"/>
+              <a:buFont typeface="Symbol" charset="2"/>
+              <a:buChar char=""/>
+            </a:pPr>
+            <a:r>
+              <a:rPr b="0" lang="en-US" sz="2000" strike="noStrike" u="none">
+                <a:solidFill>
+                  <a:srgbClr val="000000"/>
+                </a:solidFill>
+                <a:uFillTx/>
+                <a:latin typeface="Arial"/>
+              </a:rPr>
+              <a:t>4</a:t>
+            </a:r>
+            <a:r>
+              <a:rPr b="0" lang="ja-JP" sz="2000" strike="noStrike" u="none">
+                <a:solidFill>
+                  <a:srgbClr val="000000"/>
+                </a:solidFill>
+                <a:uFillTx/>
+                <a:latin typeface="Arial"/>
+              </a:rPr>
+              <a:t>レベル目のアウトライン</a:t>
+            </a:r>
+            <a:endParaRPr b="0" lang="en-US" sz="2000" strike="noStrike" u="none">
+              <a:solidFill>
+                <a:srgbClr val="000000"/>
+              </a:solidFill>
+              <a:uFillTx/>
+              <a:latin typeface="Arial"/>
+            </a:endParaRPr>
+          </a:p>
+          <a:p>
+            <a:pPr lvl="4" marL="2160000" indent="-216000">
+              <a:spcBef>
+                <a:spcPts val="283"/>
+              </a:spcBef>
+              <a:buClr>
+                <a:srgbClr val="000000"/>
+              </a:buClr>
+              <a:buSzPct val="45000"/>
+              <a:buFont typeface="Wingdings" charset="2"/>
+              <a:buChar char=""/>
+            </a:pPr>
+            <a:r>
+              <a:rPr b="0" lang="en-US" sz="2000" strike="noStrike" u="none">
+                <a:solidFill>
+                  <a:srgbClr val="000000"/>
+                </a:solidFill>
+                <a:uFillTx/>
+                <a:latin typeface="Arial"/>
+              </a:rPr>
+              <a:t>5</a:t>
+            </a:r>
+            <a:r>
+              <a:rPr b="0" lang="ja-JP" sz="2000" strike="noStrike" u="none">
+                <a:solidFill>
+                  <a:srgbClr val="000000"/>
+                </a:solidFill>
+                <a:uFillTx/>
+                <a:latin typeface="Arial"/>
+              </a:rPr>
+              <a:t>レベル目のアウトライン</a:t>
+            </a:r>
+            <a:endParaRPr b="0" lang="en-US" sz="2000" strike="noStrike" u="none">
+              <a:solidFill>
+                <a:srgbClr val="000000"/>
+              </a:solidFill>
+              <a:uFillTx/>
+              <a:latin typeface="Arial"/>
+            </a:endParaRPr>
+          </a:p>
+          <a:p>
+            <a:pPr lvl="5" marL="2592000" indent="-216000">
+              <a:spcBef>
+                <a:spcPts val="283"/>
+              </a:spcBef>
+              <a:buClr>
+                <a:srgbClr val="000000"/>
+              </a:buClr>
+              <a:buSzPct val="45000"/>
+              <a:buFont typeface="Wingdings" charset="2"/>
+              <a:buChar char=""/>
+            </a:pPr>
+            <a:r>
+              <a:rPr b="0" lang="en-US" sz="2000" strike="noStrike" u="none">
+                <a:solidFill>
+                  <a:srgbClr val="000000"/>
+                </a:solidFill>
+                <a:uFillTx/>
+                <a:latin typeface="Arial"/>
+              </a:rPr>
+              <a:t>6</a:t>
+            </a:r>
+            <a:r>
+              <a:rPr b="0" lang="ja-JP" sz="2000" strike="noStrike" u="none">
+                <a:solidFill>
+                  <a:srgbClr val="000000"/>
+                </a:solidFill>
+                <a:uFillTx/>
+                <a:latin typeface="Arial"/>
+              </a:rPr>
+              <a:t>レベル目のアウトライン</a:t>
+            </a:r>
+            <a:endParaRPr b="0" lang="en-US" sz="2000" strike="noStrike" u="none">
+              <a:solidFill>
+                <a:srgbClr val="000000"/>
+              </a:solidFill>
+              <a:uFillTx/>
+              <a:latin typeface="Arial"/>
+            </a:endParaRPr>
+          </a:p>
+          <a:p>
+            <a:pPr lvl="6" marL="3024000" indent="-216000">
+              <a:spcBef>
+                <a:spcPts val="283"/>
+              </a:spcBef>
+              <a:buClr>
+                <a:srgbClr val="000000"/>
+              </a:buClr>
+              <a:buSzPct val="45000"/>
+              <a:buFont typeface="Wingdings" charset="2"/>
+              <a:buChar char=""/>
+            </a:pPr>
+            <a:r>
+              <a:rPr b="0" lang="en-US" sz="2000" strike="noStrike" u="none">
+                <a:solidFill>
+                  <a:srgbClr val="000000"/>
+                </a:solidFill>
+                <a:uFillTx/>
+                <a:latin typeface="Arial"/>
+              </a:rPr>
+              <a:t>7</a:t>
+            </a:r>
+            <a:r>
+              <a:rPr b="0" lang="ja-JP" sz="2000" strike="noStrike" u="none">
+                <a:solidFill>
+                  <a:srgbClr val="000000"/>
+                </a:solidFill>
+                <a:uFillTx/>
+                <a:latin typeface="Arial"/>
+              </a:rPr>
+              <a:t>レベル目のアウトライン</a:t>
+            </a:r>
+            <a:endParaRPr b="0" lang="en-US" sz="2000" strike="noStrike" u="none">
+              <a:solidFill>
+                <a:srgbClr val="000000"/>
+              </a:solidFill>
+              <a:uFillTx/>
+              <a:latin typeface="Arial"/>
+            </a:endParaRPr>
+          </a:p>
+        </p:txBody>
+      </p:sp>
+    </p:spTree>
+  </p:cSld>
+  <p:clrMap bg1="lt1" tx1="dk1" bg2="lt2" tx2="dk2" accent1="accent1" accent2="accent2" accent3="accent3" accent4="accent4" accent5="accent5" accent6="accent6" hlink="hlink" folHlink="folHlink"/>
+  <p:sldLayoutIdLst>
+    <p:sldLayoutId id="2147483649" r:id="rId2"/>
+  </p:sldLayoutIdLst>
+</p:sldMaster>
+</file>
+
+<file path=ppt/slideMasters/slideMaster2.xml><?xml version="1.0" encoding="utf-8"?>
+<p:sldMaster xmlns:a="http://schemas.openxmlformats.org/drawingml/2006/main" xmlns:p="http://schemas.openxmlformats.org/presentationml/2006/main" xmlns:r="http://schemas.openxmlformats.org/officeDocument/2006/relationships" xmlns:p14="http://schemas.microsoft.com/office/powerpoint/2010/main" xmlns:p15="http://schemas.microsoft.com/office/powerpoint/2012/main" xmlns:mc="http://schemas.openxmlformats.org/markup-compatibility/2006">
+  <p:cSld>
+    <p:spTree>
+      <p:nvGrpSpPr>
+        <p:cNvPr id="1" name=""/>
+        <p:cNvGrpSpPr/>
+        <p:nvPr/>
+      </p:nvGrpSpPr>
+      <p:grpSpPr>
+        <a:xfrm>
+          <a:off x="0" y="0"/>
+          <a:ext cx="0" cy="0"/>
+          <a:chOff x="0" y="0"/>
+          <a:chExt cx="0" cy="0"/>
+        </a:xfrm>
+      </p:grpSpPr>
+      <p:sp>
+        <p:nvSpPr>
+          <p:cNvPr id="7" name="PlaceHolder 1"/>
+          <p:cNvSpPr>
+            <a:spLocks noGrp="1"/>
+          </p:cNvSpPr>
+          <p:nvPr>
+            <p:ph type="title"/>
+          </p:nvPr>
+        </p:nvSpPr>
+        <p:spPr>
+          <a:xfrm>
+            <a:off x="504000" y="226080"/>
+            <a:ext cx="9070920" cy="945720"/>
+          </a:xfrm>
+          <a:prstGeom prst="rect">
+            <a:avLst/>
+          </a:prstGeom>
+          <a:noFill/>
+          <a:ln w="0">
+            <a:noFill/>
+          </a:ln>
+        </p:spPr>
+        <p:txBody>
+          <a:bodyPr lIns="0" rIns="0" tIns="0" bIns="0" anchor="ctr">
+            <a:noAutofit/>
+          </a:bodyPr>
+          <a:p>
+            <a:pPr indent="0">
+              <a:buNone/>
+            </a:pPr>
+            <a:r>
+              <a:rPr b="0" lang="ja-JP" sz="1800" strike="noStrike" u="none">
+                <a:solidFill>
+                  <a:srgbClr val="000000"/>
+                </a:solidFill>
+                <a:uFillTx/>
+                <a:latin typeface="Arial"/>
+              </a:rPr>
+              <a:t>クリックしてタイトルテキストを編集</a:t>
+            </a:r>
+            <a:endParaRPr b="0" lang="en-US" sz="1800" strike="noStrike" u="none">
+              <a:solidFill>
+                <a:srgbClr val="000000"/>
+              </a:solidFill>
+              <a:uFillTx/>
+              <a:latin typeface="Arial"/>
+            </a:endParaRPr>
+          </a:p>
+        </p:txBody>
+      </p:sp>
+      <p:sp>
+        <p:nvSpPr>
+          <p:cNvPr id="8" name="PlaceHolder 2"/>
+          <p:cNvSpPr>
+            <a:spLocks noGrp="1"/>
+          </p:cNvSpPr>
+          <p:nvPr>
+            <p:ph type="body"/>
+          </p:nvPr>
+        </p:nvSpPr>
+        <p:spPr>
+          <a:xfrm>
+            <a:off x="504000" y="1326600"/>
+            <a:ext cx="9070920" cy="3287520"/>
+          </a:xfrm>
+          <a:prstGeom prst="rect">
+            <a:avLst/>
+          </a:prstGeom>
+          <a:noFill/>
+          <a:ln w="0">
+            <a:noFill/>
+          </a:ln>
+        </p:spPr>
+        <p:txBody>
+          <a:bodyPr lIns="0" rIns="0" tIns="0" bIns="0" anchor="t">
+            <a:normAutofit/>
+          </a:bodyPr>
+          <a:p>
+            <a:pPr marL="432000" indent="-324000">
+              <a:spcBef>
+                <a:spcPts val="1417"/>
+              </a:spcBef>
+              <a:buClr>
+                <a:srgbClr val="000000"/>
+              </a:buClr>
+              <a:buSzPct val="45000"/>
+              <a:buFont typeface="Wingdings" charset="2"/>
+              <a:buChar char=""/>
+            </a:pPr>
+            <a:r>
+              <a:rPr b="0" lang="ja-JP" sz="1800" strike="noStrike" u="none">
+                <a:solidFill>
+                  <a:srgbClr val="000000"/>
+                </a:solidFill>
+                <a:uFillTx/>
+                <a:latin typeface="Arial"/>
+              </a:rPr>
+              <a:t>クリックしてアウトラインのテキストを編集</a:t>
+            </a:r>
+            <a:endParaRPr b="0" lang="en-US" sz="1800" strike="noStrike" u="none">
+              <a:solidFill>
+                <a:srgbClr val="000000"/>
+              </a:solidFill>
+              <a:uFillTx/>
+              <a:latin typeface="Arial"/>
+            </a:endParaRPr>
+          </a:p>
+          <a:p>
+            <a:pPr lvl="1" marL="864000" indent="-324000">
+              <a:spcBef>
+                <a:spcPts val="1134"/>
+              </a:spcBef>
+              <a:buClr>
+                <a:srgbClr val="000000"/>
+              </a:buClr>
+              <a:buSzPct val="75000"/>
+              <a:buFont typeface="Symbol" charset="2"/>
+              <a:buChar char=""/>
+            </a:pPr>
+            <a:r>
+              <a:rPr b="0" lang="en-US" sz="1800" strike="noStrike" u="none">
+                <a:solidFill>
+                  <a:srgbClr val="000000"/>
+                </a:solidFill>
+                <a:uFillTx/>
+                <a:latin typeface="Arial"/>
+              </a:rPr>
+              <a:t>2</a:t>
+            </a:r>
+            <a:r>
+              <a:rPr b="0" lang="ja-JP" sz="1800" strike="noStrike" u="none">
+                <a:solidFill>
+                  <a:srgbClr val="000000"/>
+                </a:solidFill>
+                <a:uFillTx/>
+                <a:latin typeface="Arial"/>
+              </a:rPr>
+              <a:t>レベル目のアウトライン</a:t>
+            </a:r>
+            <a:endParaRPr b="0" lang="en-US" sz="1800" strike="noStrike" u="none">
+              <a:solidFill>
+                <a:srgbClr val="000000"/>
+              </a:solidFill>
+              <a:uFillTx/>
+              <a:latin typeface="Arial"/>
+            </a:endParaRPr>
+          </a:p>
+          <a:p>
+            <a:pPr lvl="2" marL="1296000" indent="-288000">
+              <a:spcBef>
+                <a:spcPts val="850"/>
+              </a:spcBef>
+              <a:buClr>
+                <a:srgbClr val="000000"/>
+              </a:buClr>
+              <a:buSzPct val="45000"/>
+              <a:buFont typeface="Wingdings" charset="2"/>
+              <a:buChar char=""/>
+            </a:pPr>
+            <a:r>
+              <a:rPr b="0" lang="en-US" sz="1800" strike="noStrike" u="none">
+                <a:solidFill>
+                  <a:srgbClr val="000000"/>
+                </a:solidFill>
+                <a:uFillTx/>
+                <a:latin typeface="Arial"/>
+              </a:rPr>
+              <a:t>3</a:t>
+            </a:r>
+            <a:r>
+              <a:rPr b="0" lang="ja-JP" sz="1800" strike="noStrike" u="none">
+                <a:solidFill>
+                  <a:srgbClr val="000000"/>
+                </a:solidFill>
+                <a:uFillTx/>
+                <a:latin typeface="Arial"/>
+              </a:rPr>
+              <a:t>レベル目のアウトライン</a:t>
+            </a:r>
+            <a:endParaRPr b="0" lang="en-US" sz="1800" strike="noStrike" u="none">
+              <a:solidFill>
+                <a:srgbClr val="000000"/>
+              </a:solidFill>
+              <a:uFillTx/>
+              <a:latin typeface="Arial"/>
+            </a:endParaRPr>
+          </a:p>
+          <a:p>
+            <a:pPr lvl="3" marL="1728000" indent="-216000">
+              <a:spcBef>
+                <a:spcPts val="567"/>
+              </a:spcBef>
+              <a:buClr>
+                <a:srgbClr val="000000"/>
+              </a:buClr>
+              <a:buSzPct val="75000"/>
+              <a:buFont typeface="Symbol" charset="2"/>
+              <a:buChar char=""/>
+            </a:pPr>
+            <a:r>
+              <a:rPr b="0" lang="en-US" sz="1800" strike="noStrike" u="none">
+                <a:solidFill>
+                  <a:srgbClr val="000000"/>
+                </a:solidFill>
+                <a:uFillTx/>
+                <a:latin typeface="Arial"/>
+              </a:rPr>
+              <a:t>4</a:t>
+            </a:r>
+            <a:r>
+              <a:rPr b="0" lang="ja-JP" sz="1800" strike="noStrike" u="none">
+                <a:solidFill>
+                  <a:srgbClr val="000000"/>
+                </a:solidFill>
+                <a:uFillTx/>
+                <a:latin typeface="Arial"/>
+              </a:rPr>
+              <a:t>レベル目のアウトライン</a:t>
+            </a:r>
+            <a:endParaRPr b="0" lang="en-US" sz="1800" strike="noStrike" u="none">
+              <a:solidFill>
+                <a:srgbClr val="000000"/>
+              </a:solidFill>
+              <a:uFillTx/>
+              <a:latin typeface="Arial"/>
+            </a:endParaRPr>
+          </a:p>
+          <a:p>
+            <a:pPr lvl="4" marL="2160000" indent="-216000">
+              <a:spcBef>
+                <a:spcPts val="283"/>
+              </a:spcBef>
+              <a:buClr>
+                <a:srgbClr val="000000"/>
+              </a:buClr>
+              <a:buSzPct val="45000"/>
+              <a:buFont typeface="Wingdings" charset="2"/>
+              <a:buChar char=""/>
+            </a:pPr>
+            <a:r>
+              <a:rPr b="0" lang="en-US" sz="1800" strike="noStrike" u="none">
+                <a:solidFill>
+                  <a:srgbClr val="000000"/>
+                </a:solidFill>
+                <a:uFillTx/>
+                <a:latin typeface="Arial"/>
+              </a:rPr>
+              <a:t>5</a:t>
+            </a:r>
+            <a:r>
+              <a:rPr b="0" lang="ja-JP" sz="1800" strike="noStrike" u="none">
+                <a:solidFill>
+                  <a:srgbClr val="000000"/>
+                </a:solidFill>
+                <a:uFillTx/>
+                <a:latin typeface="Arial"/>
+              </a:rPr>
+              <a:t>レベル目のアウトライン</a:t>
+            </a:r>
+            <a:endParaRPr b="0" lang="en-US" sz="1800" strike="noStrike" u="none">
+              <a:solidFill>
+                <a:srgbClr val="000000"/>
+              </a:solidFill>
+              <a:uFillTx/>
+              <a:latin typeface="Arial"/>
+            </a:endParaRPr>
+          </a:p>
+          <a:p>
+            <a:pPr lvl="5" marL="2592000" indent="-216000">
+              <a:spcBef>
+                <a:spcPts val="283"/>
+              </a:spcBef>
+              <a:buClr>
+                <a:srgbClr val="000000"/>
+              </a:buClr>
+              <a:buSzPct val="45000"/>
+              <a:buFont typeface="Wingdings" charset="2"/>
+              <a:buChar char=""/>
+            </a:pPr>
+            <a:r>
+              <a:rPr b="0" lang="en-US" sz="1800" strike="noStrike" u="none">
+                <a:solidFill>
+                  <a:srgbClr val="000000"/>
+                </a:solidFill>
+                <a:uFillTx/>
+                <a:latin typeface="Arial"/>
+              </a:rPr>
+              <a:t>6</a:t>
+            </a:r>
+            <a:r>
+              <a:rPr b="0" lang="ja-JP" sz="1800" strike="noStrike" u="none">
+                <a:solidFill>
+                  <a:srgbClr val="000000"/>
+                </a:solidFill>
+                <a:uFillTx/>
+                <a:latin typeface="Arial"/>
+              </a:rPr>
+              <a:t>レベル目のアウトライン</a:t>
+            </a:r>
+            <a:endParaRPr b="0" lang="en-US" sz="1800" strike="noStrike" u="none">
+              <a:solidFill>
+                <a:srgbClr val="000000"/>
+              </a:solidFill>
+              <a:uFillTx/>
+              <a:latin typeface="Arial"/>
+            </a:endParaRPr>
+          </a:p>
+          <a:p>
+            <a:pPr lvl="6" marL="3024000" indent="-216000">
+              <a:spcBef>
+                <a:spcPts val="283"/>
+              </a:spcBef>
+              <a:buClr>
+                <a:srgbClr val="000000"/>
+              </a:buClr>
+              <a:buSzPct val="45000"/>
+              <a:buFont typeface="Wingdings" charset="2"/>
+              <a:buChar char=""/>
+            </a:pPr>
+            <a:r>
+              <a:rPr b="0" lang="en-US" sz="1800" strike="noStrike" u="none">
+                <a:solidFill>
+                  <a:srgbClr val="000000"/>
+                </a:solidFill>
+                <a:uFillTx/>
+                <a:latin typeface="Arial"/>
+              </a:rPr>
+              <a:t>7</a:t>
+            </a:r>
+            <a:r>
+              <a:rPr b="0" lang="ja-JP" sz="1800" strike="noStrike" u="none">
+                <a:solidFill>
+                  <a:srgbClr val="000000"/>
+                </a:solidFill>
+                <a:uFillTx/>
+                <a:latin typeface="Arial"/>
+              </a:rPr>
+              <a:t>レベル目のアウトライン</a:t>
+            </a:r>
+            <a:endParaRPr b="0" lang="en-US" sz="1800" strike="noStrike" u="none">
+              <a:solidFill>
+                <a:srgbClr val="000000"/>
+              </a:solidFill>
+              <a:uFillTx/>
+              <a:latin typeface="Arial"/>
+            </a:endParaRPr>
+          </a:p>
+        </p:txBody>
+      </p:sp>
+      <p:sp>
+        <p:nvSpPr>
+          <p:cNvPr id="9" name="PlaceHolder 3"/>
+          <p:cNvSpPr>
+            <a:spLocks noGrp="1"/>
+          </p:cNvSpPr>
+          <p:nvPr>
+            <p:ph type="ftr" idx="4"/>
           </p:nvPr>
         </p:nvSpPr>
         <p:spPr>
           <a:xfrm>
             <a:off x="3447360" y="5165280"/>
-            <a:ext cx="3195000" cy="390600"/>
+            <a:ext cx="3194280" cy="389880"/>
           </a:xfrm>
           <a:prstGeom prst="rect">
             <a:avLst/>
@@ -806,7 +1669,13 @@
           </a:bodyPr>
           <a:lstStyle>
             <a:lvl1pPr indent="0" algn="ctr">
+              <a:lnSpc>
+                <a:spcPct val="100000"/>
+              </a:lnSpc>
               <a:buNone/>
+              <a:tabLst>
+                <a:tab algn="l" pos="0"/>
+              </a:tabLst>
               <a:defRPr b="0" lang="en-US" sz="1400" strike="noStrike" u="none">
                 <a:solidFill>
                   <a:srgbClr val="000000"/>
@@ -818,7 +1687,13 @@
           </a:lstStyle>
           <a:p>
             <a:pPr indent="0" algn="ctr">
+              <a:lnSpc>
+                <a:spcPct val="100000"/>
+              </a:lnSpc>
               <a:buNone/>
+              <a:tabLst>
+                <a:tab algn="l" pos="0"/>
+              </a:tabLst>
             </a:pPr>
             <a:r>
               <a:rPr b="0" lang="en-US" sz="1400" strike="noStrike" u="none">
@@ -842,18 +1717,18 @@
       </p:sp>
       <p:sp>
         <p:nvSpPr>
-          <p:cNvPr id="4" name="PlaceHolder 5"/>
-          <p:cNvSpPr>
-            <a:spLocks noGrp="1"/>
-          </p:cNvSpPr>
-          <p:nvPr>
-            <p:ph type="sldNum" idx="3"/>
+          <p:cNvPr id="10" name="PlaceHolder 4"/>
+          <p:cNvSpPr>
+            <a:spLocks noGrp="1"/>
+          </p:cNvSpPr>
+          <p:nvPr>
+            <p:ph type="sldNum" idx="5"/>
           </p:nvPr>
         </p:nvSpPr>
         <p:spPr>
           <a:xfrm>
             <a:off x="7227360" y="5165280"/>
-            <a:ext cx="2348280" cy="390600"/>
+            <a:ext cx="2347560" cy="389880"/>
           </a:xfrm>
           <a:prstGeom prst="rect">
             <a:avLst/>
@@ -869,7 +1744,13 @@
           </a:bodyPr>
           <a:lstStyle>
             <a:lvl1pPr indent="0" algn="r">
+              <a:lnSpc>
+                <a:spcPct val="100000"/>
+              </a:lnSpc>
               <a:buNone/>
+              <a:tabLst>
+                <a:tab algn="l" pos="0"/>
+              </a:tabLst>
               <a:defRPr b="0" lang="en-US" sz="1400" strike="noStrike" u="none">
                 <a:solidFill>
                   <a:srgbClr val="000000"/>
@@ -881,9 +1762,15 @@
           </a:lstStyle>
           <a:p>
             <a:pPr indent="0" algn="r">
+              <a:lnSpc>
+                <a:spcPct val="100000"/>
+              </a:lnSpc>
               <a:buNone/>
-            </a:pPr>
-            <a:fld id="{9DD467B3-2CA2-4AEC-A7BF-CD6EEBAC472E}" type="slidenum">
+              <a:tabLst>
+                <a:tab algn="l" pos="0"/>
+              </a:tabLst>
+            </a:pPr>
+            <a:fld id="{3C41F6EC-FF12-40D9-8937-015C5439B8C2}" type="slidenum">
               <a:rPr b="0" lang="en-US" sz="1400" strike="noStrike" u="none">
                 <a:solidFill>
                   <a:srgbClr val="000000"/>
@@ -893,6 +1780,69 @@
               </a:rPr>
               <a:t>&lt;番号&gt;</a:t>
             </a:fld>
+            <a:endParaRPr b="0" lang="en-US" sz="1400" strike="noStrike" u="none">
+              <a:solidFill>
+                <a:srgbClr val="000000"/>
+              </a:solidFill>
+              <a:uFillTx/>
+              <a:latin typeface="游明朝"/>
+            </a:endParaRPr>
+          </a:p>
+        </p:txBody>
+      </p:sp>
+      <p:sp>
+        <p:nvSpPr>
+          <p:cNvPr id="11" name="PlaceHolder 5"/>
+          <p:cNvSpPr>
+            <a:spLocks noGrp="1"/>
+          </p:cNvSpPr>
+          <p:nvPr>
+            <p:ph type="dt" idx="6"/>
+          </p:nvPr>
+        </p:nvSpPr>
+        <p:spPr>
+          <a:xfrm>
+            <a:off x="504000" y="5165280"/>
+            <a:ext cx="2347560" cy="389880"/>
+          </a:xfrm>
+          <a:prstGeom prst="rect">
+            <a:avLst/>
+          </a:prstGeom>
+          <a:noFill/>
+          <a:ln w="0">
+            <a:noFill/>
+          </a:ln>
+        </p:spPr>
+        <p:txBody>
+          <a:bodyPr lIns="0" rIns="0" tIns="0" bIns="0" anchor="t">
+            <a:noAutofit/>
+          </a:bodyPr>
+          <a:lstStyle>
+            <a:lvl1pPr indent="0">
+              <a:buNone/>
+              <a:defRPr b="0" lang="en-US" sz="1400" strike="noStrike" u="none">
+                <a:solidFill>
+                  <a:srgbClr val="000000"/>
+                </a:solidFill>
+                <a:uFillTx/>
+                <a:latin typeface="游明朝"/>
+              </a:defRPr>
+            </a:lvl1pPr>
+          </a:lstStyle>
+          <a:p>
+            <a:pPr indent="0">
+              <a:buNone/>
+            </a:pPr>
+            <a:r>
+              <a:rPr b="0" lang="en-US" sz="1400" strike="noStrike" u="none">
+                <a:solidFill>
+                  <a:srgbClr val="000000"/>
+                </a:solidFill>
+                <a:uFillTx/>
+                <a:latin typeface="游明朝"/>
+              </a:rPr>
+              <a:t>&lt;日付/時刻&gt;</a:t>
+            </a:r>
             <a:endParaRPr b="0" lang="en-US" sz="1400" strike="noStrike" u="none">
               <a:solidFill>
                 <a:srgbClr val="000000"/>
@@ -907,8 +1857,298 @@
   </p:cSld>
   <p:clrMap bg1="lt1" tx1="dk1" bg2="lt2" tx2="dk2" accent1="accent1" accent2="accent2" accent3="accent3" accent4="accent4" accent5="accent5" accent6="accent6" hlink="hlink" folHlink="folHlink"/>
   <p:sldLayoutIdLst>
-    <p:sldLayoutId id="2147483649" r:id="rId2"/>
-    <p:sldLayoutId id="2147483650" r:id="rId3"/>
+    <p:sldLayoutId id="2147483651" r:id="rId2"/>
+    <p:sldLayoutId id="2147483652" r:id="rId3"/>
+  </p:sldLayoutIdLst>
+</p:sldMaster>
+</file>
+
+<file path=ppt/slideMasters/slideMaster3.xml><?xml version="1.0" encoding="utf-8"?>
+<p:sldMaster xmlns:a="http://schemas.openxmlformats.org/drawingml/2006/main" xmlns:p="http://schemas.openxmlformats.org/presentationml/2006/main" xmlns:r="http://schemas.openxmlformats.org/officeDocument/2006/relationships" xmlns:p14="http://schemas.microsoft.com/office/powerpoint/2010/main" xmlns:p15="http://schemas.microsoft.com/office/powerpoint/2012/main" xmlns:mc="http://schemas.openxmlformats.org/markup-compatibility/2006">
+  <p:cSld>
+    <p:spTree>
+      <p:nvGrpSpPr>
+        <p:cNvPr id="1" name=""/>
+        <p:cNvGrpSpPr/>
+        <p:nvPr/>
+      </p:nvGrpSpPr>
+      <p:grpSpPr>
+        <a:xfrm>
+          <a:off x="0" y="0"/>
+          <a:ext cx="0" cy="0"/>
+          <a:chOff x="0" y="0"/>
+          <a:chExt cx="0" cy="0"/>
+        </a:xfrm>
+      </p:grpSpPr>
+      <p:sp>
+        <p:nvSpPr>
+          <p:cNvPr id="16" name="PlaceHolder 1"/>
+          <p:cNvSpPr>
+            <a:spLocks noGrp="1"/>
+          </p:cNvSpPr>
+          <p:nvPr>
+            <p:ph type="title"/>
+          </p:nvPr>
+        </p:nvSpPr>
+        <p:spPr>
+          <a:xfrm>
+            <a:off x="504000" y="226080"/>
+            <a:ext cx="9070920" cy="945720"/>
+          </a:xfrm>
+          <a:prstGeom prst="rect">
+            <a:avLst/>
+          </a:prstGeom>
+          <a:noFill/>
+          <a:ln w="0">
+            <a:noFill/>
+          </a:ln>
+        </p:spPr>
+        <p:txBody>
+          <a:bodyPr lIns="0" rIns="0" tIns="0" bIns="0" anchor="ctr">
+            <a:noAutofit/>
+          </a:bodyPr>
+          <a:p>
+            <a:pPr indent="0">
+              <a:buNone/>
+            </a:pPr>
+            <a:r>
+              <a:rPr b="0" lang="ja-JP" sz="1800" strike="noStrike" u="none">
+                <a:solidFill>
+                  <a:srgbClr val="000000"/>
+                </a:solidFill>
+                <a:uFillTx/>
+                <a:latin typeface="Arial"/>
+              </a:rPr>
+              <a:t>クリックしてタイトルテキストを編集</a:t>
+            </a:r>
+            <a:endParaRPr b="0" lang="en-US" sz="1800" strike="noStrike" u="none">
+              <a:solidFill>
+                <a:srgbClr val="000000"/>
+              </a:solidFill>
+              <a:uFillTx/>
+              <a:latin typeface="Arial"/>
+            </a:endParaRPr>
+          </a:p>
+        </p:txBody>
+      </p:sp>
+      <p:sp>
+        <p:nvSpPr>
+          <p:cNvPr id="17" name="PlaceHolder 2"/>
+          <p:cNvSpPr>
+            <a:spLocks noGrp="1"/>
+          </p:cNvSpPr>
+          <p:nvPr>
+            <p:ph type="ftr" idx="7"/>
+          </p:nvPr>
+        </p:nvSpPr>
+        <p:spPr>
+          <a:xfrm>
+            <a:off x="3447360" y="5165280"/>
+            <a:ext cx="3194280" cy="389880"/>
+          </a:xfrm>
+          <a:prstGeom prst="rect">
+            <a:avLst/>
+          </a:prstGeom>
+          <a:noFill/>
+          <a:ln w="0">
+            <a:noFill/>
+          </a:ln>
+        </p:spPr>
+        <p:txBody>
+          <a:bodyPr lIns="0" rIns="0" tIns="0" bIns="0" anchor="t">
+            <a:noAutofit/>
+          </a:bodyPr>
+          <a:lstStyle>
+            <a:lvl1pPr indent="0" algn="ctr">
+              <a:lnSpc>
+                <a:spcPct val="100000"/>
+              </a:lnSpc>
+              <a:buNone/>
+              <a:tabLst>
+                <a:tab algn="l" pos="0"/>
+              </a:tabLst>
+              <a:defRPr b="0" lang="en-US" sz="1400" strike="noStrike" u="none">
+                <a:solidFill>
+                  <a:srgbClr val="000000"/>
+                </a:solidFill>
+                <a:uFillTx/>
+                <a:latin typeface="游明朝"/>
+              </a:defRPr>
+            </a:lvl1pPr>
+          </a:lstStyle>
+          <a:p>
+            <a:pPr indent="0" algn="ctr">
+              <a:lnSpc>
+                <a:spcPct val="100000"/>
+              </a:lnSpc>
+              <a:buNone/>
+              <a:tabLst>
+                <a:tab algn="l" pos="0"/>
+              </a:tabLst>
+            </a:pPr>
+            <a:r>
+              <a:rPr b="0" lang="en-US" sz="1400" strike="noStrike" u="none">
+                <a:solidFill>
+                  <a:srgbClr val="000000"/>
+                </a:solidFill>
+                <a:uFillTx/>
+                <a:latin typeface="游明朝"/>
+              </a:rPr>
+              <a:t> </a:t>
+            </a:r>
+            <a:endParaRPr b="0" lang="en-US" sz="1400" strike="noStrike" u="none">
+              <a:solidFill>
+                <a:srgbClr val="000000"/>
+              </a:solidFill>
+              <a:uFillTx/>
+              <a:latin typeface="游明朝"/>
+            </a:endParaRPr>
+          </a:p>
+        </p:txBody>
+      </p:sp>
+      <p:sp>
+        <p:nvSpPr>
+          <p:cNvPr id="18" name="PlaceHolder 3"/>
+          <p:cNvSpPr>
+            <a:spLocks noGrp="1"/>
+          </p:cNvSpPr>
+          <p:nvPr>
+            <p:ph type="sldNum" idx="8"/>
+          </p:nvPr>
+        </p:nvSpPr>
+        <p:spPr>
+          <a:xfrm>
+            <a:off x="7227360" y="5165280"/>
+            <a:ext cx="2347560" cy="389880"/>
+          </a:xfrm>
+          <a:prstGeom prst="rect">
+            <a:avLst/>
+          </a:prstGeom>
+          <a:noFill/>
+          <a:ln w="0">
+            <a:noFill/>
+          </a:ln>
+        </p:spPr>
+        <p:txBody>
+          <a:bodyPr lIns="0" rIns="0" tIns="0" bIns="0" anchor="t">
+            <a:noAutofit/>
+          </a:bodyPr>
+          <a:lstStyle>
+            <a:lvl1pPr indent="0" algn="r">
+              <a:lnSpc>
+                <a:spcPct val="100000"/>
+              </a:lnSpc>
+              <a:buNone/>
+              <a:tabLst>
+                <a:tab algn="l" pos="0"/>
+              </a:tabLst>
+              <a:defRPr b="0" lang="en-US" sz="1400" strike="noStrike" u="none">
+                <a:solidFill>
+                  <a:srgbClr val="000000"/>
+                </a:solidFill>
+                <a:uFillTx/>
+                <a:latin typeface="游明朝"/>
+              </a:defRPr>
+            </a:lvl1pPr>
+          </a:lstStyle>
+          <a:p>
+            <a:pPr indent="0" algn="r">
+              <a:lnSpc>
+                <a:spcPct val="100000"/>
+              </a:lnSpc>
+              <a:buNone/>
+              <a:tabLst>
+                <a:tab algn="l" pos="0"/>
+              </a:tabLst>
+            </a:pPr>
+            <a:fld id="{75BA8F06-723C-4414-8524-6D5E1D89777D}" type="slidenum">
+              <a:rPr b="0" lang="en-US" sz="1400" strike="noStrike" u="none">
+                <a:solidFill>
+                  <a:srgbClr val="000000"/>
+                </a:solidFill>
+                <a:uFillTx/>
+                <a:latin typeface="游明朝"/>
+              </a:rPr>
+              <a:t>1</a:t>
+            </a:fld>
+            <a:endParaRPr b="0" lang="en-US" sz="1400" strike="noStrike" u="none">
+              <a:solidFill>
+                <a:srgbClr val="000000"/>
+              </a:solidFill>
+              <a:uFillTx/>
+              <a:latin typeface="游明朝"/>
+            </a:endParaRPr>
+          </a:p>
+        </p:txBody>
+      </p:sp>
+      <p:sp>
+        <p:nvSpPr>
+          <p:cNvPr id="19" name="PlaceHolder 4"/>
+          <p:cNvSpPr>
+            <a:spLocks noGrp="1"/>
+          </p:cNvSpPr>
+          <p:nvPr>
+            <p:ph type="dt" idx="9"/>
+          </p:nvPr>
+        </p:nvSpPr>
+        <p:spPr>
+          <a:xfrm>
+            <a:off x="504000" y="5165280"/>
+            <a:ext cx="2347560" cy="389880"/>
+          </a:xfrm>
+          <a:prstGeom prst="rect">
+            <a:avLst/>
+          </a:prstGeom>
+          <a:noFill/>
+          <a:ln w="0">
+            <a:noFill/>
+          </a:ln>
+        </p:spPr>
+        <p:txBody>
+          <a:bodyPr lIns="0" rIns="0" tIns="0" bIns="0" anchor="t">
+            <a:noAutofit/>
+          </a:bodyPr>
+          <a:lstStyle>
+            <a:lvl1pPr indent="0">
+              <a:buNone/>
+              <a:defRPr b="0" lang="en-US" sz="1400" strike="noStrike" u="none">
+                <a:solidFill>
+                  <a:srgbClr val="000000"/>
+                </a:solidFill>
+                <a:uFillTx/>
+                <a:latin typeface="游明朝"/>
+              </a:defRPr>
+            </a:lvl1pPr>
+          </a:lstStyle>
+          <a:p>
+            <a:pPr indent="0">
+              <a:buNone/>
+            </a:pPr>
+            <a:r>
+              <a:rPr b="0" lang="en-US" sz="1400" strike="noStrike" u="none">
+                <a:solidFill>
+                  <a:srgbClr val="000000"/>
+                </a:solidFill>
+                <a:uFillTx/>
+                <a:latin typeface="游明朝"/>
+              </a:rPr>
+              <a:t> </a:t>
+            </a:r>
+            <a:endParaRPr b="0" lang="en-US" sz="1400" strike="noStrike" u="none">
+              <a:solidFill>
+                <a:srgbClr val="000000"/>
+              </a:solidFill>
+              <a:uFillTx/>
+              <a:latin typeface="游明朝"/>
+            </a:endParaRPr>
+          </a:p>
+        </p:txBody>
+      </p:sp>
+    </p:spTree>
+  </p:cSld>
+  <p:clrMap bg1="lt1" tx1="dk1" bg2="lt2" tx2="dk2" accent1="accent1" accent2="accent2" accent3="accent3" accent4="accent4" accent5="accent5" accent6="accent6" hlink="hlink" folHlink="folHlink"/>
+  <p:sldLayoutIdLst>
+    <p:sldLayoutId id="2147483654" r:id="rId2"/>
   </p:sldLayoutIdLst>
 </p:sldMaster>
 </file>
@@ -932,7 +2172,7 @@
       </p:grpSpPr>
       <p:pic>
         <p:nvPicPr>
-          <p:cNvPr id="9" name="" descr=""/>
+          <p:cNvPr id="22" name="" descr=""/>
           <p:cNvPicPr/>
           <p:nvPr/>
         </p:nvPicPr>
@@ -943,7 +2183,7 @@
         <p:spPr>
           <a:xfrm>
             <a:off x="248400" y="0"/>
-            <a:ext cx="4698000" cy="4680000"/>
+            <a:ext cx="4697280" cy="4679280"/>
           </a:xfrm>
           <a:prstGeom prst="rect">
             <a:avLst/>
@@ -956,7 +2196,7 @@
       </p:pic>
       <p:pic>
         <p:nvPicPr>
-          <p:cNvPr id="10" name="" descr=""/>
+          <p:cNvPr id="23" name="" descr=""/>
           <p:cNvPicPr/>
           <p:nvPr/>
         </p:nvPicPr>
@@ -967,7 +2207,7 @@
         <p:spPr>
           <a:xfrm>
             <a:off x="5400000" y="339840"/>
-            <a:ext cx="2609640" cy="2000160"/>
+            <a:ext cx="2608920" cy="1999440"/>
           </a:xfrm>
           <a:prstGeom prst="rect">
             <a:avLst/>
@@ -980,7 +2220,7 @@
       </p:pic>
       <p:pic>
         <p:nvPicPr>
-          <p:cNvPr id="11" name="" descr=""/>
+          <p:cNvPr id="24" name="" descr=""/>
           <p:cNvPicPr/>
           <p:nvPr/>
         </p:nvPicPr>
@@ -991,7 +2231,7 @@
         <p:spPr>
           <a:xfrm>
             <a:off x="5613120" y="3533400"/>
-            <a:ext cx="2666880" cy="1866600"/>
+            <a:ext cx="2666160" cy="1865880"/>
           </a:xfrm>
           <a:prstGeom prst="rect">
             <a:avLst/>
@@ -1004,7 +2244,7 @@
       </p:pic>
       <p:pic>
         <p:nvPicPr>
-          <p:cNvPr id="12" name="" descr=""/>
+          <p:cNvPr id="25" name="" descr=""/>
           <p:cNvPicPr/>
           <p:nvPr/>
         </p:nvPicPr>
@@ -1015,7 +2255,7 @@
         <p:spPr>
           <a:xfrm>
             <a:off x="7691400" y="2491560"/>
-            <a:ext cx="2028600" cy="1828440"/>
+            <a:ext cx="2027880" cy="1827720"/>
           </a:xfrm>
           <a:prstGeom prst="rect">
             <a:avLst/>
@@ -1058,7 +2298,7 @@
       </p:grpSpPr>
       <p:pic>
         <p:nvPicPr>
-          <p:cNvPr id="13" name="" descr=""/>
+          <p:cNvPr id="26" name="" descr=""/>
           <p:cNvPicPr/>
           <p:nvPr/>
         </p:nvPicPr>
@@ -1069,7 +2309,7 @@
         <p:spPr>
           <a:xfrm>
             <a:off x="2355480" y="34920"/>
-            <a:ext cx="5497920" cy="5669640"/>
+            <a:ext cx="5497200" cy="5668920"/>
           </a:xfrm>
           <a:prstGeom prst="rect">
             <a:avLst/>
@@ -1112,7 +2352,7 @@
       </p:grpSpPr>
       <p:pic>
         <p:nvPicPr>
-          <p:cNvPr id="14" name="" descr=""/>
+          <p:cNvPr id="27" name="" descr=""/>
           <p:cNvPicPr/>
           <p:nvPr/>
         </p:nvPicPr>
@@ -1123,7 +2363,253 @@
         <p:spPr>
           <a:xfrm>
             <a:off x="2355480" y="401040"/>
-            <a:ext cx="5497920" cy="5669640"/>
+            <a:ext cx="5497200" cy="5668920"/>
+          </a:xfrm>
+          <a:prstGeom prst="rect">
+            <a:avLst/>
+          </a:prstGeom>
+          <a:noFill/>
+          <a:ln w="0">
+            <a:noFill/>
+          </a:ln>
+        </p:spPr>
+      </p:pic>
+    </p:spTree>
+  </p:cSld>
+  <mc:AlternateContent>
+    <mc:Choice Requires="p14">
+      <p:transition spd="slow" p14:dur="2000"/>
+    </mc:Choice>
+    <mc:Fallback>
+      <p:transition spd="slow"/>
+    </mc:Fallback>
+  </mc:AlternateContent>
+</p:sld>
+</file>
+
+<file path=ppt/slides/slide4.xml><?xml version="1.0" encoding="utf-8"?>
+<p:sld xmlns:a="http://schemas.openxmlformats.org/drawingml/2006/main" xmlns:p="http://schemas.openxmlformats.org/presentationml/2006/main" xmlns:r="http://schemas.openxmlformats.org/officeDocument/2006/relationships" xmlns:p14="http://schemas.microsoft.com/office/powerpoint/2010/main" xmlns:p15="http://schemas.microsoft.com/office/powerpoint/2012/main" xmlns:mc="http://schemas.openxmlformats.org/markup-compatibility/2006">
+  <p:cSld>
+    <p:spTree>
+      <p:nvGrpSpPr>
+        <p:cNvPr id="1" name=""/>
+        <p:cNvGrpSpPr/>
+        <p:nvPr/>
+      </p:nvGrpSpPr>
+      <p:grpSpPr>
+        <a:xfrm>
+          <a:off x="0" y="0"/>
+          <a:ext cx="0" cy="0"/>
+          <a:chOff x="0" y="0"/>
+          <a:chExt cx="0" cy="0"/>
+        </a:xfrm>
+      </p:grpSpPr>
+    </p:spTree>
+  </p:cSld>
+  <mc:AlternateContent>
+    <mc:Choice Requires="p14">
+      <p:transition spd="slow" p14:dur="2000"/>
+    </mc:Choice>
+    <mc:Fallback>
+      <p:transition spd="slow"/>
+    </mc:Fallback>
+  </mc:AlternateContent>
+</p:sld>
+</file>
+
+<file path=ppt/slides/slide5.xml><?xml version="1.0" encoding="utf-8"?>
+<p:sld xmlns:a="http://schemas.openxmlformats.org/drawingml/2006/main" xmlns:p="http://schemas.openxmlformats.org/presentationml/2006/main" xmlns:r="http://schemas.openxmlformats.org/officeDocument/2006/relationships" xmlns:p14="http://schemas.microsoft.com/office/powerpoint/2010/main" xmlns:p15="http://schemas.microsoft.com/office/powerpoint/2012/main" xmlns:mc="http://schemas.openxmlformats.org/markup-compatibility/2006">
+  <p:cSld>
+    <p:spTree>
+      <p:nvGrpSpPr>
+        <p:cNvPr id="1" name=""/>
+        <p:cNvGrpSpPr/>
+        <p:nvPr/>
+      </p:nvGrpSpPr>
+      <p:grpSpPr>
+        <a:xfrm>
+          <a:off x="0" y="0"/>
+          <a:ext cx="0" cy="0"/>
+          <a:chOff x="0" y="0"/>
+          <a:chExt cx="0" cy="0"/>
+        </a:xfrm>
+      </p:grpSpPr>
+      <p:pic>
+        <p:nvPicPr>
+          <p:cNvPr id="28" name="" descr=""/>
+          <p:cNvPicPr/>
+          <p:nvPr/>
+        </p:nvPicPr>
+        <p:blipFill>
+          <a:blip r:embed="rId1"/>
+          <a:stretch/>
+        </p:blipFill>
+        <p:spPr>
+          <a:xfrm>
+            <a:off x="2355120" y="34560"/>
+            <a:ext cx="5498280" cy="5670000"/>
+          </a:xfrm>
+          <a:prstGeom prst="rect">
+            <a:avLst/>
+          </a:prstGeom>
+          <a:noFill/>
+          <a:ln w="0">
+            <a:noFill/>
+          </a:ln>
+        </p:spPr>
+      </p:pic>
+    </p:spTree>
+  </p:cSld>
+  <mc:AlternateContent>
+    <mc:Choice Requires="p14">
+      <p:transition spd="slow" p14:dur="2000"/>
+    </mc:Choice>
+    <mc:Fallback>
+      <p:transition spd="slow"/>
+    </mc:Fallback>
+  </mc:AlternateContent>
+</p:sld>
+</file>
+
+<file path=ppt/slides/slide6.xml><?xml version="1.0" encoding="utf-8"?>
+<p:sld xmlns:a="http://schemas.openxmlformats.org/drawingml/2006/main" xmlns:p="http://schemas.openxmlformats.org/presentationml/2006/main" xmlns:r="http://schemas.openxmlformats.org/officeDocument/2006/relationships" xmlns:p14="http://schemas.microsoft.com/office/powerpoint/2010/main" xmlns:p15="http://schemas.microsoft.com/office/powerpoint/2012/main" xmlns:mc="http://schemas.openxmlformats.org/markup-compatibility/2006">
+  <p:cSld>
+    <p:spTree>
+      <p:nvGrpSpPr>
+        <p:cNvPr id="1" name=""/>
+        <p:cNvGrpSpPr/>
+        <p:nvPr/>
+      </p:nvGrpSpPr>
+      <p:grpSpPr>
+        <a:xfrm>
+          <a:off x="0" y="0"/>
+          <a:ext cx="0" cy="0"/>
+          <a:chOff x="0" y="0"/>
+          <a:chExt cx="0" cy="0"/>
+        </a:xfrm>
+      </p:grpSpPr>
+      <p:pic>
+        <p:nvPicPr>
+          <p:cNvPr id="29" name="" descr=""/>
+          <p:cNvPicPr/>
+          <p:nvPr/>
+        </p:nvPicPr>
+        <p:blipFill>
+          <a:blip r:embed="rId1"/>
+          <a:stretch/>
+        </p:blipFill>
+        <p:spPr>
+          <a:xfrm>
+            <a:off x="2355120" y="34560"/>
+            <a:ext cx="5498280" cy="5670000"/>
+          </a:xfrm>
+          <a:prstGeom prst="rect">
+            <a:avLst/>
+          </a:prstGeom>
+          <a:noFill/>
+          <a:ln w="0">
+            <a:noFill/>
+          </a:ln>
+        </p:spPr>
+      </p:pic>
+    </p:spTree>
+  </p:cSld>
+  <mc:AlternateContent>
+    <mc:Choice Requires="p14">
+      <p:transition spd="slow" p14:dur="2000"/>
+    </mc:Choice>
+    <mc:Fallback>
+      <p:transition spd="slow"/>
+    </mc:Fallback>
+  </mc:AlternateContent>
+</p:sld>
+</file>
+
+<file path=ppt/slides/slide7.xml><?xml version="1.0" encoding="utf-8"?>
+<p:sld xmlns:a="http://schemas.openxmlformats.org/drawingml/2006/main" xmlns:p="http://schemas.openxmlformats.org/presentationml/2006/main" xmlns:r="http://schemas.openxmlformats.org/officeDocument/2006/relationships" xmlns:p14="http://schemas.microsoft.com/office/powerpoint/2010/main" xmlns:p15="http://schemas.microsoft.com/office/powerpoint/2012/main" xmlns:mc="http://schemas.openxmlformats.org/markup-compatibility/2006">
+  <p:cSld>
+    <p:spTree>
+      <p:nvGrpSpPr>
+        <p:cNvPr id="1" name=""/>
+        <p:cNvGrpSpPr/>
+        <p:nvPr/>
+      </p:nvGrpSpPr>
+      <p:grpSpPr>
+        <a:xfrm>
+          <a:off x="0" y="0"/>
+          <a:ext cx="0" cy="0"/>
+          <a:chOff x="0" y="0"/>
+          <a:chExt cx="0" cy="0"/>
+        </a:xfrm>
+      </p:grpSpPr>
+      <p:pic>
+        <p:nvPicPr>
+          <p:cNvPr id="30" name="" descr=""/>
+          <p:cNvPicPr/>
+          <p:nvPr/>
+        </p:nvPicPr>
+        <p:blipFill>
+          <a:blip r:embed="rId1"/>
+          <a:stretch/>
+        </p:blipFill>
+        <p:spPr>
+          <a:xfrm>
+            <a:off x="2355120" y="34560"/>
+            <a:ext cx="5498640" cy="5670360"/>
+          </a:xfrm>
+          <a:prstGeom prst="rect">
+            <a:avLst/>
+          </a:prstGeom>
+          <a:noFill/>
+          <a:ln w="0">
+            <a:noFill/>
+          </a:ln>
+        </p:spPr>
+      </p:pic>
+    </p:spTree>
+  </p:cSld>
+  <mc:AlternateContent>
+    <mc:Choice Requires="p14">
+      <p:transition spd="slow" p14:dur="2000"/>
+    </mc:Choice>
+    <mc:Fallback>
+      <p:transition spd="slow"/>
+    </mc:Fallback>
+  </mc:AlternateContent>
+</p:sld>
+</file>
+
+<file path=ppt/slides/slide8.xml><?xml version="1.0" encoding="utf-8"?>
+<p:sld xmlns:a="http://schemas.openxmlformats.org/drawingml/2006/main" xmlns:p="http://schemas.openxmlformats.org/presentationml/2006/main" xmlns:r="http://schemas.openxmlformats.org/officeDocument/2006/relationships" xmlns:p14="http://schemas.microsoft.com/office/powerpoint/2010/main" xmlns:p15="http://schemas.microsoft.com/office/powerpoint/2012/main" xmlns:mc="http://schemas.openxmlformats.org/markup-compatibility/2006">
+  <p:cSld>
+    <p:spTree>
+      <p:nvGrpSpPr>
+        <p:cNvPr id="1" name=""/>
+        <p:cNvGrpSpPr/>
+        <p:nvPr/>
+      </p:nvGrpSpPr>
+      <p:grpSpPr>
+        <a:xfrm>
+          <a:off x="0" y="0"/>
+          <a:ext cx="0" cy="0"/>
+          <a:chOff x="0" y="0"/>
+          <a:chExt cx="0" cy="0"/>
+        </a:xfrm>
+      </p:grpSpPr>
+      <p:pic>
+        <p:nvPicPr>
+          <p:cNvPr id="31" name="" descr=""/>
+          <p:cNvPicPr/>
+          <p:nvPr/>
+        </p:nvPicPr>
+        <p:blipFill>
+          <a:blip r:embed="rId1"/>
+          <a:stretch/>
+        </p:blipFill>
+        <p:spPr>
+          <a:xfrm>
+            <a:off x="2464200" y="262800"/>
+            <a:ext cx="5498640" cy="5670360"/>
           </a:xfrm>
           <a:prstGeom prst="rect">
             <a:avLst/>
@@ -1251,4 +2737,216 @@
     </a:fmtScheme>
   </a:themeElements>
 </a:theme>
+</file>
+
+<file path=ppt/theme/theme2.xml><?xml version="1.0" encoding="utf-8"?>
+<a:theme xmlns:a="http://schemas.openxmlformats.org/drawingml/2006/main" xmlns:r="http://schemas.openxmlformats.org/officeDocument/2006/relationships" name="Office">
+  <a:themeElements>
+    <a:clrScheme name="LibreOffice">
+      <a:dk1>
+        <a:srgbClr val="000000"/>
+      </a:dk1>
+      <a:lt1>
+        <a:srgbClr val="ffffff"/>
+      </a:lt1>
+      <a:dk2>
+        <a:srgbClr val="000000"/>
+      </a:dk2>
+      <a:lt2>
+        <a:srgbClr val="ffffff"/>
+      </a:lt2>
+      <a:accent1>
+        <a:srgbClr val="18a303"/>
+      </a:accent1>
+      <a:accent2>
+        <a:srgbClr val="0369a3"/>
+      </a:accent2>
+      <a:accent3>
+        <a:srgbClr val="a33e03"/>
+      </a:accent3>
+      <a:accent4>
+        <a:srgbClr val="8e03a3"/>
+      </a:accent4>
+      <a:accent5>
+        <a:srgbClr val="c99c00"/>
+      </a:accent5>
+      <a:accent6>
+        <a:srgbClr val="c9211e"/>
+      </a:accent6>
+      <a:hlink>
+        <a:srgbClr val="0000ee"/>
+      </a:hlink>
+      <a:folHlink>
+        <a:srgbClr val="551a8b"/>
+      </a:folHlink>
+    </a:clrScheme>
+    <a:fontScheme name="Office">
+      <a:majorFont>
+        <a:latin typeface="Arial" pitchFamily="0" charset="1"/>
+        <a:ea typeface="DejaVu Sans" pitchFamily="0" charset="1"/>
+        <a:cs typeface="DejaVu Sans" pitchFamily="0" charset="1"/>
+      </a:majorFont>
+      <a:minorFont>
+        <a:latin typeface="Arial" pitchFamily="0" charset="1"/>
+        <a:ea typeface="DejaVu Sans" pitchFamily="0" charset="1"/>
+        <a:cs typeface="DejaVu Sans" pitchFamily="0" charset="1"/>
+      </a:minorFont>
+    </a:fontScheme>
+    <a:fmtScheme>
+      <a:fillStyleLst>
+        <a:solidFill>
+          <a:schemeClr val="phClr"/>
+        </a:solidFill>
+        <a:solidFill>
+          <a:schemeClr val="phClr"/>
+        </a:solidFill>
+        <a:solidFill>
+          <a:schemeClr val="phClr"/>
+        </a:solidFill>
+      </a:fillStyleLst>
+      <a:lnStyleLst>
+        <a:ln w="6350" cap="flat" cmpd="sng" algn="ctr">
+          <a:prstDash val="solid"/>
+          <a:miter/>
+        </a:ln>
+        <a:ln w="6350" cap="flat" cmpd="sng" algn="ctr">
+          <a:prstDash val="solid"/>
+          <a:miter/>
+        </a:ln>
+        <a:ln w="6350" cap="flat" cmpd="sng" algn="ctr">
+          <a:prstDash val="solid"/>
+          <a:miter/>
+        </a:ln>
+      </a:lnStyleLst>
+      <a:effectStyleLst>
+        <a:effectStyle>
+          <a:effectLst/>
+        </a:effectStyle>
+        <a:effectStyle>
+          <a:effectLst/>
+        </a:effectStyle>
+        <a:effectStyle>
+          <a:effectLst/>
+        </a:effectStyle>
+      </a:effectStyleLst>
+      <a:bgFillStyleLst>
+        <a:solidFill>
+          <a:schemeClr val="phClr"/>
+        </a:solidFill>
+        <a:solidFill>
+          <a:schemeClr val="phClr"/>
+        </a:solidFill>
+        <a:solidFill>
+          <a:schemeClr val="phClr"/>
+        </a:solidFill>
+      </a:bgFillStyleLst>
+    </a:fmtScheme>
+  </a:themeElements>
+</a:theme>
+</file>
+
+<file path=ppt/theme/theme3.xml><?xml version="1.0" encoding="utf-8"?>
+<a:theme xmlns:a="http://schemas.openxmlformats.org/drawingml/2006/main" xmlns:r="http://schemas.openxmlformats.org/officeDocument/2006/relationships" name="Office">
+  <a:themeElements>
+    <a:clrScheme name="LibreOffice">
+      <a:dk1>
+        <a:srgbClr val="000000"/>
+      </a:dk1>
+      <a:lt1>
+        <a:srgbClr val="ffffff"/>
+      </a:lt1>
+      <a:dk2>
+        <a:srgbClr val="000000"/>
+      </a:dk2>
+      <a:lt2>
+        <a:srgbClr val="ffffff"/>
+      </a:lt2>
+      <a:accent1>
+        <a:srgbClr val="18a303"/>
+      </a:accent1>
+      <a:accent2>
+        <a:srgbClr val="0369a3"/>
+      </a:accent2>
+      <a:accent3>
+        <a:srgbClr val="a33e03"/>
+      </a:accent3>
+      <a:accent4>
+        <a:srgbClr val="8e03a3"/>
+      </a:accent4>
+      <a:accent5>
+        <a:srgbClr val="c99c00"/>
+      </a:accent5>
+      <a:accent6>
+        <a:srgbClr val="c9211e"/>
+      </a:accent6>
+      <a:hlink>
+        <a:srgbClr val="0000ee"/>
+      </a:hlink>
+      <a:folHlink>
+        <a:srgbClr val="551a8b"/>
+      </a:folHlink>
+    </a:clrScheme>
+    <a:fontScheme name="Office">
+      <a:majorFont>
+        <a:latin typeface="Arial" pitchFamily="0" charset="1"/>
+        <a:ea typeface="DejaVu Sans" pitchFamily="0" charset="1"/>
+        <a:cs typeface="DejaVu Sans" pitchFamily="0" charset="1"/>
+      </a:majorFont>
+      <a:minorFont>
+        <a:latin typeface="Arial" pitchFamily="0" charset="1"/>
+        <a:ea typeface="DejaVu Sans" pitchFamily="0" charset="1"/>
+        <a:cs typeface="DejaVu Sans" pitchFamily="0" charset="1"/>
+      </a:minorFont>
+    </a:fontScheme>
+    <a:fmtScheme>
+      <a:fillStyleLst>
+        <a:solidFill>
+          <a:schemeClr val="phClr"/>
+        </a:solidFill>
+        <a:solidFill>
+          <a:schemeClr val="phClr"/>
+        </a:solidFill>
+        <a:solidFill>
+          <a:schemeClr val="phClr"/>
+        </a:solidFill>
+      </a:fillStyleLst>
+      <a:lnStyleLst>
+        <a:ln w="6350" cap="flat" cmpd="sng" algn="ctr">
+          <a:prstDash val="solid"/>
+          <a:miter/>
+        </a:ln>
+        <a:ln w="6350" cap="flat" cmpd="sng" algn="ctr">
+          <a:prstDash val="solid"/>
+          <a:miter/>
+        </a:ln>
+        <a:ln w="6350" cap="flat" cmpd="sng" algn="ctr">
+          <a:prstDash val="solid"/>
+          <a:miter/>
+        </a:ln>
+      </a:lnStyleLst>
+      <a:effectStyleLst>
+        <a:effectStyle>
+          <a:effectLst/>
+        </a:effectStyle>
+        <a:effectStyle>
+          <a:effectLst/>
+        </a:effectStyle>
+        <a:effectStyle>
+          <a:effectLst/>
+        </a:effectStyle>
+      </a:effectStyleLst>
+      <a:bgFillStyleLst>
+        <a:solidFill>
+          <a:schemeClr val="phClr"/>
+        </a:solidFill>
+        <a:solidFill>
+          <a:schemeClr val="phClr"/>
+        </a:solidFill>
+        <a:solidFill>
+          <a:schemeClr val="phClr"/>
+        </a:solidFill>
+      </a:bgFillStyleLst>
+    </a:fmtScheme>
+  </a:themeElements>
+</a:theme>
 </file>
--- a/メモ_緯度経度の画像.pptx
+++ b/メモ_緯度経度の画像.pptx
@@ -5,16 +5,28 @@
     <p:sldMasterId id="2147483648" r:id="rId2"/>
     <p:sldMasterId id="2147483650" r:id="rId3"/>
     <p:sldMasterId id="2147483653" r:id="rId4"/>
+    <p:sldMasterId id="2147483655" r:id="rId5"/>
+    <p:sldMasterId id="2147483657" r:id="rId6"/>
+    <p:sldMasterId id="2147483659" r:id="rId7"/>
   </p:sldMasterIdLst>
   <p:sldIdLst>
-    <p:sldId id="256" r:id="rId5"/>
-    <p:sldId id="257" r:id="rId6"/>
-    <p:sldId id="258" r:id="rId7"/>
-    <p:sldId id="259" r:id="rId8"/>
-    <p:sldId id="260" r:id="rId9"/>
-    <p:sldId id="261" r:id="rId10"/>
-    <p:sldId id="262" r:id="rId11"/>
-    <p:sldId id="263" r:id="rId12"/>
+    <p:sldId id="256" r:id="rId8"/>
+    <p:sldId id="257" r:id="rId9"/>
+    <p:sldId id="258" r:id="rId10"/>
+    <p:sldId id="259" r:id="rId11"/>
+    <p:sldId id="260" r:id="rId12"/>
+    <p:sldId id="261" r:id="rId13"/>
+    <p:sldId id="262" r:id="rId14"/>
+    <p:sldId id="263" r:id="rId15"/>
+    <p:sldId id="264" r:id="rId16"/>
+    <p:sldId id="265" r:id="rId17"/>
+    <p:sldId id="266" r:id="rId18"/>
+    <p:sldId id="267" r:id="rId19"/>
+    <p:sldId id="268" r:id="rId20"/>
+    <p:sldId id="269" r:id="rId21"/>
+    <p:sldId id="270" r:id="rId22"/>
+    <p:sldId id="271" r:id="rId23"/>
+    <p:sldId id="272" r:id="rId24"/>
   </p:sldIdLst>
   <p:sldSz cx="10080625" cy="5670550"/>
   <p:notesSz cx="7559675" cy="10691813"/>
@@ -51,7 +63,7 @@
         <p:spPr>
           <a:xfrm>
             <a:off x="504000" y="226080"/>
-            <a:ext cx="9070920" cy="945720"/>
+            <a:ext cx="9069840" cy="944640"/>
           </a:xfrm>
           <a:prstGeom prst="rect">
             <a:avLst/>
@@ -92,7 +104,7 @@
         <p:spPr>
           <a:xfrm>
             <a:off x="504000" y="1326600"/>
-            <a:ext cx="9070920" cy="3287520"/>
+            <a:ext cx="9069840" cy="3286440"/>
           </a:xfrm>
           <a:prstGeom prst="rect">
             <a:avLst/>
@@ -154,7 +166,7 @@
         <p:txBody>
           <a:bodyPr/>
           <a:p>
-            <a:fld id="{16D0A559-C44E-45BA-AF80-18380C00EC5C}" type="slidenum">
+            <a:fld id="{60F875E9-FA78-40F1-8C62-9400084A76BF}" type="slidenum">
               <a:t>&lt;#&gt;</a:t>
             </a:fld>
           </a:p>
@@ -216,7 +228,7 @@
         <p:spPr>
           <a:xfrm>
             <a:off x="504000" y="226080"/>
-            <a:ext cx="9070920" cy="945720"/>
+            <a:ext cx="9069840" cy="944640"/>
           </a:xfrm>
           <a:prstGeom prst="rect">
             <a:avLst/>
@@ -257,7 +269,7 @@
         <p:spPr>
           <a:xfrm>
             <a:off x="504000" y="1326600"/>
-            <a:ext cx="9070920" cy="3287520"/>
+            <a:ext cx="9069840" cy="3286440"/>
           </a:xfrm>
           <a:prstGeom prst="rect">
             <a:avLst/>
@@ -322,7 +334,7 @@
         <p:txBody>
           <a:bodyPr/>
           <a:p>
-            <a:fld id="{0247A349-3208-43BB-A253-1906E66C70EA}" type="slidenum">
+            <a:fld id="{1BCED668-FAFC-45DA-9F9E-8E075BBBC831}" type="slidenum">
               <a:t>&lt;#&gt;</a:t>
             </a:fld>
           </a:p>
@@ -384,7 +396,7 @@
         <p:spPr>
           <a:xfrm>
             <a:off x="504000" y="226080"/>
-            <a:ext cx="9070920" cy="945720"/>
+            <a:ext cx="9069840" cy="944640"/>
           </a:xfrm>
           <a:prstGeom prst="rect">
             <a:avLst/>
@@ -425,7 +437,7 @@
         <p:spPr>
           <a:xfrm>
             <a:off x="504000" y="1326600"/>
-            <a:ext cx="9070920" cy="3287520"/>
+            <a:ext cx="9069840" cy="3286440"/>
           </a:xfrm>
           <a:prstGeom prst="rect">
             <a:avLst/>
@@ -487,7 +499,7 @@
         <p:txBody>
           <a:bodyPr/>
           <a:p>
-            <a:fld id="{B574AF90-2671-453F-AC75-CAA8C311A0D3}" type="slidenum">
+            <a:fld id="{7404760C-811E-4593-837F-1DD9D0855323}" type="slidenum">
               <a:t>&lt;#&gt;</a:t>
             </a:fld>
           </a:p>
@@ -549,7 +561,7 @@
         <p:spPr>
           <a:xfrm>
             <a:off x="504000" y="226080"/>
-            <a:ext cx="9070920" cy="945720"/>
+            <a:ext cx="9069840" cy="944640"/>
           </a:xfrm>
           <a:prstGeom prst="rect">
             <a:avLst/>
@@ -590,7 +602,7 @@
         <p:spPr>
           <a:xfrm>
             <a:off x="504000" y="1326600"/>
-            <a:ext cx="9070920" cy="3287520"/>
+            <a:ext cx="9069840" cy="3286440"/>
           </a:xfrm>
           <a:prstGeom prst="rect">
             <a:avLst/>
@@ -652,7 +664,7 @@
         <p:txBody>
           <a:bodyPr/>
           <a:p>
-            <a:fld id="{8AFB99BD-1EBA-46B9-AAC4-7AABBFB0D2F3}" type="slidenum">
+            <a:fld id="{014DE924-FA19-43DA-B948-C5B44B0C233B}" type="slidenum">
               <a:t>&lt;#&gt;</a:t>
             </a:fld>
           </a:p>
@@ -666,6 +678,501 @@
           </p:cNvSpPr>
           <p:nvPr>
             <p:ph type="dt" idx="9"/>
+          </p:nvPr>
+        </p:nvSpPr>
+        <p:spPr/>
+        <p:txBody>
+          <a:bodyPr/>
+          <a:p>
+            <a:r>
+              <a:rPr lang="ja-JP"/>
+              <a:t/>
+            </a:r>
+          </a:p>
+        </p:txBody>
+      </p:sp>
+    </p:spTree>
+  </p:cSld>
+</p:sldLayout>
+</file>
+
+<file path=ppt/slideLayouts/slideLayout5.xml><?xml version="1.0" encoding="utf-8"?>
+<p:sldLayout xmlns:a="http://schemas.openxmlformats.org/drawingml/2006/main" xmlns:p="http://schemas.openxmlformats.org/presentationml/2006/main" xmlns:r="http://schemas.openxmlformats.org/officeDocument/2006/relationships" xmlns:p14="http://schemas.microsoft.com/office/powerpoint/2010/main" xmlns:p15="http://schemas.microsoft.com/office/powerpoint/2012/main" xmlns:mc="http://schemas.openxmlformats.org/markup-compatibility/2006" type="title" preserve="1">
+  <p:cSld name="標準 3">
+    <p:spTree>
+      <p:nvGrpSpPr>
+        <p:cNvPr id="1" name=""/>
+        <p:cNvGrpSpPr/>
+        <p:nvPr/>
+      </p:nvGrpSpPr>
+      <p:grpSpPr>
+        <a:xfrm>
+          <a:off x="0" y="0"/>
+          <a:ext cx="0" cy="0"/>
+          <a:chOff x="0" y="0"/>
+          <a:chExt cx="0" cy="0"/>
+        </a:xfrm>
+      </p:grpSpPr>
+      <p:sp>
+        <p:nvSpPr>
+          <p:cNvPr id="26" name="PlaceHolder 1"/>
+          <p:cNvSpPr>
+            <a:spLocks noGrp="1"/>
+          </p:cNvSpPr>
+          <p:nvPr>
+            <p:ph type="title"/>
+          </p:nvPr>
+        </p:nvSpPr>
+        <p:spPr>
+          <a:xfrm>
+            <a:off x="504000" y="226080"/>
+            <a:ext cx="9069840" cy="944640"/>
+          </a:xfrm>
+          <a:prstGeom prst="rect">
+            <a:avLst/>
+          </a:prstGeom>
+          <a:noFill/>
+          <a:ln w="0">
+            <a:noFill/>
+          </a:ln>
+        </p:spPr>
+        <p:txBody>
+          <a:bodyPr lIns="0" rIns="0" tIns="0" bIns="0" anchor="ctr">
+            <a:noAutofit/>
+          </a:bodyPr>
+          <a:p>
+            <a:pPr indent="0" algn="ctr">
+              <a:buNone/>
+            </a:pPr>
+            <a:endParaRPr b="0" lang="en-US" sz="4400" strike="noStrike" u="none">
+              <a:solidFill>
+                <a:srgbClr val="000000"/>
+              </a:solidFill>
+              <a:uFillTx/>
+              <a:latin typeface="Arial"/>
+            </a:endParaRPr>
+          </a:p>
+        </p:txBody>
+      </p:sp>
+      <p:sp>
+        <p:nvSpPr>
+          <p:cNvPr id="27" name="PlaceHolder 2"/>
+          <p:cNvSpPr>
+            <a:spLocks noGrp="1"/>
+          </p:cNvSpPr>
+          <p:nvPr>
+            <p:ph type="subTitle"/>
+          </p:nvPr>
+        </p:nvSpPr>
+        <p:spPr>
+          <a:xfrm>
+            <a:off x="504000" y="1326600"/>
+            <a:ext cx="9069840" cy="3286440"/>
+          </a:xfrm>
+          <a:prstGeom prst="rect">
+            <a:avLst/>
+          </a:prstGeom>
+          <a:noFill/>
+          <a:ln w="0">
+            <a:noFill/>
+          </a:ln>
+        </p:spPr>
+        <p:txBody>
+          <a:bodyPr lIns="0" rIns="0" tIns="0" bIns="0" anchor="ctr">
+            <a:noAutofit/>
+          </a:bodyPr>
+          <a:p>
+            <a:pPr indent="0" algn="ctr">
+              <a:buNone/>
+            </a:pPr>
+            <a:endParaRPr b="0" lang="en-US" sz="3200" strike="noStrike" u="none">
+              <a:solidFill>
+                <a:srgbClr val="000000"/>
+              </a:solidFill>
+              <a:uFillTx/>
+              <a:latin typeface="Arial"/>
+            </a:endParaRPr>
+          </a:p>
+        </p:txBody>
+      </p:sp>
+      <p:sp>
+        <p:nvSpPr>
+          <p:cNvPr id="4" name="PlaceHolder 3"/>
+          <p:cNvSpPr>
+            <a:spLocks noGrp="1"/>
+          </p:cNvSpPr>
+          <p:nvPr>
+            <p:ph type="ftr" idx="10"/>
+          </p:nvPr>
+        </p:nvSpPr>
+        <p:spPr/>
+        <p:txBody>
+          <a:bodyPr/>
+          <a:p>
+            <a:r>
+              <a:t>Footer</a:t>
+            </a:r>
+          </a:p>
+        </p:txBody>
+      </p:sp>
+      <p:sp>
+        <p:nvSpPr>
+          <p:cNvPr id="5" name="PlaceHolder 4"/>
+          <p:cNvSpPr>
+            <a:spLocks noGrp="1"/>
+          </p:cNvSpPr>
+          <p:nvPr>
+            <p:ph type="sldNum" idx="11"/>
+          </p:nvPr>
+        </p:nvSpPr>
+        <p:spPr/>
+        <p:txBody>
+          <a:bodyPr/>
+          <a:p>
+            <a:fld id="{60D52301-643F-4269-868A-965AF3FA61ED}" type="slidenum">
+              <a:t>&lt;#&gt;</a:t>
+            </a:fld>
+          </a:p>
+        </p:txBody>
+      </p:sp>
+      <p:sp>
+        <p:nvSpPr>
+          <p:cNvPr id="6" name="PlaceHolder 5"/>
+          <p:cNvSpPr>
+            <a:spLocks noGrp="1"/>
+          </p:cNvSpPr>
+          <p:nvPr>
+            <p:ph type="dt" idx="12"/>
+          </p:nvPr>
+        </p:nvSpPr>
+        <p:spPr/>
+        <p:txBody>
+          <a:bodyPr/>
+          <a:p>
+            <a:r>
+              <a:rPr lang="ja-JP"/>
+              <a:t/>
+            </a:r>
+          </a:p>
+        </p:txBody>
+      </p:sp>
+    </p:spTree>
+  </p:cSld>
+</p:sldLayout>
+</file>
+
+<file path=ppt/slideLayouts/slideLayout6.xml><?xml version="1.0" encoding="utf-8"?>
+<p:sldLayout xmlns:a="http://schemas.openxmlformats.org/drawingml/2006/main" xmlns:p="http://schemas.openxmlformats.org/presentationml/2006/main" xmlns:r="http://schemas.openxmlformats.org/officeDocument/2006/relationships" xmlns:p14="http://schemas.microsoft.com/office/powerpoint/2010/main" xmlns:p15="http://schemas.microsoft.com/office/powerpoint/2012/main" xmlns:mc="http://schemas.openxmlformats.org/markup-compatibility/2006" type="title" preserve="1">
+  <p:cSld name="標準 4">
+    <p:spTree>
+      <p:nvGrpSpPr>
+        <p:cNvPr id="1" name=""/>
+        <p:cNvGrpSpPr/>
+        <p:nvPr/>
+      </p:nvGrpSpPr>
+      <p:grpSpPr>
+        <a:xfrm>
+          <a:off x="0" y="0"/>
+          <a:ext cx="0" cy="0"/>
+          <a:chOff x="0" y="0"/>
+          <a:chExt cx="0" cy="0"/>
+        </a:xfrm>
+      </p:grpSpPr>
+      <p:sp>
+        <p:nvSpPr>
+          <p:cNvPr id="32" name="PlaceHolder 1"/>
+          <p:cNvSpPr>
+            <a:spLocks noGrp="1"/>
+          </p:cNvSpPr>
+          <p:nvPr>
+            <p:ph type="title"/>
+          </p:nvPr>
+        </p:nvSpPr>
+        <p:spPr>
+          <a:xfrm>
+            <a:off x="504000" y="226080"/>
+            <a:ext cx="9069840" cy="944640"/>
+          </a:xfrm>
+          <a:prstGeom prst="rect">
+            <a:avLst/>
+          </a:prstGeom>
+          <a:noFill/>
+          <a:ln w="0">
+            <a:noFill/>
+          </a:ln>
+        </p:spPr>
+        <p:txBody>
+          <a:bodyPr lIns="0" rIns="0" tIns="0" bIns="0" anchor="ctr">
+            <a:noAutofit/>
+          </a:bodyPr>
+          <a:p>
+            <a:pPr indent="0" algn="ctr">
+              <a:buNone/>
+            </a:pPr>
+            <a:endParaRPr b="0" lang="en-US" sz="4400" strike="noStrike" u="none">
+              <a:solidFill>
+                <a:srgbClr val="000000"/>
+              </a:solidFill>
+              <a:uFillTx/>
+              <a:latin typeface="Arial"/>
+            </a:endParaRPr>
+          </a:p>
+        </p:txBody>
+      </p:sp>
+      <p:sp>
+        <p:nvSpPr>
+          <p:cNvPr id="33" name="PlaceHolder 2"/>
+          <p:cNvSpPr>
+            <a:spLocks noGrp="1"/>
+          </p:cNvSpPr>
+          <p:nvPr>
+            <p:ph type="subTitle"/>
+          </p:nvPr>
+        </p:nvSpPr>
+        <p:spPr>
+          <a:xfrm>
+            <a:off x="504000" y="1326600"/>
+            <a:ext cx="9069840" cy="3286440"/>
+          </a:xfrm>
+          <a:prstGeom prst="rect">
+            <a:avLst/>
+          </a:prstGeom>
+          <a:noFill/>
+          <a:ln w="0">
+            <a:noFill/>
+          </a:ln>
+        </p:spPr>
+        <p:txBody>
+          <a:bodyPr lIns="0" rIns="0" tIns="0" bIns="0" anchor="ctr">
+            <a:noAutofit/>
+          </a:bodyPr>
+          <a:p>
+            <a:pPr indent="0" algn="ctr">
+              <a:buNone/>
+            </a:pPr>
+            <a:endParaRPr b="0" lang="en-US" sz="3200" strike="noStrike" u="none">
+              <a:solidFill>
+                <a:srgbClr val="000000"/>
+              </a:solidFill>
+              <a:uFillTx/>
+              <a:latin typeface="Arial"/>
+            </a:endParaRPr>
+          </a:p>
+        </p:txBody>
+      </p:sp>
+      <p:sp>
+        <p:nvSpPr>
+          <p:cNvPr id="4" name="PlaceHolder 3"/>
+          <p:cNvSpPr>
+            <a:spLocks noGrp="1"/>
+          </p:cNvSpPr>
+          <p:nvPr>
+            <p:ph type="ftr" idx="13"/>
+          </p:nvPr>
+        </p:nvSpPr>
+        <p:spPr/>
+        <p:txBody>
+          <a:bodyPr/>
+          <a:p>
+            <a:r>
+              <a:t>Footer</a:t>
+            </a:r>
+          </a:p>
+        </p:txBody>
+      </p:sp>
+      <p:sp>
+        <p:nvSpPr>
+          <p:cNvPr id="5" name="PlaceHolder 4"/>
+          <p:cNvSpPr>
+            <a:spLocks noGrp="1"/>
+          </p:cNvSpPr>
+          <p:nvPr>
+            <p:ph type="sldNum" idx="14"/>
+          </p:nvPr>
+        </p:nvSpPr>
+        <p:spPr/>
+        <p:txBody>
+          <a:bodyPr/>
+          <a:p>
+            <a:fld id="{1AA3FE3D-A3EB-4667-B9AE-BBD44C6B85B9}" type="slidenum">
+              <a:t>&lt;#&gt;</a:t>
+            </a:fld>
+          </a:p>
+        </p:txBody>
+      </p:sp>
+      <p:sp>
+        <p:nvSpPr>
+          <p:cNvPr id="6" name="PlaceHolder 5"/>
+          <p:cNvSpPr>
+            <a:spLocks noGrp="1"/>
+          </p:cNvSpPr>
+          <p:nvPr>
+            <p:ph type="dt" idx="15"/>
+          </p:nvPr>
+        </p:nvSpPr>
+        <p:spPr/>
+        <p:txBody>
+          <a:bodyPr/>
+          <a:p>
+            <a:r>
+              <a:rPr lang="ja-JP"/>
+              <a:t/>
+            </a:r>
+          </a:p>
+        </p:txBody>
+      </p:sp>
+    </p:spTree>
+  </p:cSld>
+</p:sldLayout>
+</file>
+
+<file path=ppt/slideLayouts/slideLayout7.xml><?xml version="1.0" encoding="utf-8"?>
+<p:sldLayout xmlns:a="http://schemas.openxmlformats.org/drawingml/2006/main" xmlns:p="http://schemas.openxmlformats.org/presentationml/2006/main" xmlns:r="http://schemas.openxmlformats.org/officeDocument/2006/relationships" xmlns:p14="http://schemas.microsoft.com/office/powerpoint/2010/main" xmlns:p15="http://schemas.microsoft.com/office/powerpoint/2012/main" xmlns:mc="http://schemas.openxmlformats.org/markup-compatibility/2006" type="title" preserve="1">
+  <p:cSld name="標準 5">
+    <p:spTree>
+      <p:nvGrpSpPr>
+        <p:cNvPr id="1" name=""/>
+        <p:cNvGrpSpPr/>
+        <p:nvPr/>
+      </p:nvGrpSpPr>
+      <p:grpSpPr>
+        <a:xfrm>
+          <a:off x="0" y="0"/>
+          <a:ext cx="0" cy="0"/>
+          <a:chOff x="0" y="0"/>
+          <a:chExt cx="0" cy="0"/>
+        </a:xfrm>
+      </p:grpSpPr>
+      <p:sp>
+        <p:nvSpPr>
+          <p:cNvPr id="38" name="PlaceHolder 1"/>
+          <p:cNvSpPr>
+            <a:spLocks noGrp="1"/>
+          </p:cNvSpPr>
+          <p:nvPr>
+            <p:ph type="title"/>
+          </p:nvPr>
+        </p:nvSpPr>
+        <p:spPr>
+          <a:xfrm>
+            <a:off x="504000" y="226080"/>
+            <a:ext cx="9069840" cy="944640"/>
+          </a:xfrm>
+          <a:prstGeom prst="rect">
+            <a:avLst/>
+          </a:prstGeom>
+          <a:noFill/>
+          <a:ln w="0">
+            <a:noFill/>
+          </a:ln>
+        </p:spPr>
+        <p:txBody>
+          <a:bodyPr lIns="0" rIns="0" tIns="0" bIns="0" anchor="ctr">
+            <a:noAutofit/>
+          </a:bodyPr>
+          <a:p>
+            <a:pPr indent="0" algn="ctr">
+              <a:buNone/>
+            </a:pPr>
+            <a:endParaRPr b="0" lang="en-US" sz="4400" strike="noStrike" u="none">
+              <a:solidFill>
+                <a:srgbClr val="000000"/>
+              </a:solidFill>
+              <a:uFillTx/>
+              <a:latin typeface="Arial"/>
+            </a:endParaRPr>
+          </a:p>
+        </p:txBody>
+      </p:sp>
+      <p:sp>
+        <p:nvSpPr>
+          <p:cNvPr id="39" name="PlaceHolder 2"/>
+          <p:cNvSpPr>
+            <a:spLocks noGrp="1"/>
+          </p:cNvSpPr>
+          <p:nvPr>
+            <p:ph type="subTitle"/>
+          </p:nvPr>
+        </p:nvSpPr>
+        <p:spPr>
+          <a:xfrm>
+            <a:off x="504000" y="1326600"/>
+            <a:ext cx="9069840" cy="3286440"/>
+          </a:xfrm>
+          <a:prstGeom prst="rect">
+            <a:avLst/>
+          </a:prstGeom>
+          <a:noFill/>
+          <a:ln w="0">
+            <a:noFill/>
+          </a:ln>
+        </p:spPr>
+        <p:txBody>
+          <a:bodyPr lIns="0" rIns="0" tIns="0" bIns="0" anchor="ctr">
+            <a:noAutofit/>
+          </a:bodyPr>
+          <a:p>
+            <a:pPr indent="0" algn="ctr">
+              <a:buNone/>
+            </a:pPr>
+            <a:endParaRPr b="0" lang="en-US" sz="3200" strike="noStrike" u="none">
+              <a:solidFill>
+                <a:srgbClr val="000000"/>
+              </a:solidFill>
+              <a:uFillTx/>
+              <a:latin typeface="Arial"/>
+            </a:endParaRPr>
+          </a:p>
+        </p:txBody>
+      </p:sp>
+      <p:sp>
+        <p:nvSpPr>
+          <p:cNvPr id="4" name="PlaceHolder 3"/>
+          <p:cNvSpPr>
+            <a:spLocks noGrp="1"/>
+          </p:cNvSpPr>
+          <p:nvPr>
+            <p:ph type="ftr" idx="16"/>
+          </p:nvPr>
+        </p:nvSpPr>
+        <p:spPr/>
+        <p:txBody>
+          <a:bodyPr/>
+          <a:p>
+            <a:r>
+              <a:t>Footer</a:t>
+            </a:r>
+          </a:p>
+        </p:txBody>
+      </p:sp>
+      <p:sp>
+        <p:nvSpPr>
+          <p:cNvPr id="5" name="PlaceHolder 4"/>
+          <p:cNvSpPr>
+            <a:spLocks noGrp="1"/>
+          </p:cNvSpPr>
+          <p:nvPr>
+            <p:ph type="sldNum" idx="17"/>
+          </p:nvPr>
+        </p:nvSpPr>
+        <p:spPr/>
+        <p:txBody>
+          <a:bodyPr/>
+          <a:p>
+            <a:fld id="{A8C46B81-C08F-4657-8E2A-91E5F5F50430}" type="slidenum">
+              <a:t>&lt;#&gt;</a:t>
+            </a:fld>
+          </a:p>
+        </p:txBody>
+      </p:sp>
+      <p:sp>
+        <p:nvSpPr>
+          <p:cNvPr id="6" name="PlaceHolder 5"/>
+          <p:cNvSpPr>
+            <a:spLocks noGrp="1"/>
+          </p:cNvSpPr>
+          <p:nvPr>
+            <p:ph type="dt" idx="18"/>
           </p:nvPr>
         </p:nvSpPr>
         <p:spPr/>
@@ -714,7 +1221,7 @@
         <p:spPr>
           <a:xfrm>
             <a:off x="504000" y="226080"/>
-            <a:ext cx="9070920" cy="945720"/>
+            <a:ext cx="9069840" cy="944640"/>
           </a:xfrm>
           <a:prstGeom prst="rect">
             <a:avLst/>
@@ -765,7 +1272,7 @@
         <p:spPr>
           <a:xfrm>
             <a:off x="3447360" y="5165280"/>
-            <a:ext cx="3194280" cy="389880"/>
+            <a:ext cx="3193200" cy="388800"/>
           </a:xfrm>
           <a:prstGeom prst="rect">
             <a:avLst/>
@@ -840,7 +1347,7 @@
         <p:spPr>
           <a:xfrm>
             <a:off x="7227360" y="5165280"/>
-            <a:ext cx="2347560" cy="389880"/>
+            <a:ext cx="2346480" cy="388800"/>
           </a:xfrm>
           <a:prstGeom prst="rect">
             <a:avLst/>
@@ -882,7 +1389,7 @@
                 <a:tab algn="l" pos="0"/>
               </a:tabLst>
             </a:pPr>
-            <a:fld id="{40350670-9F66-491D-A826-108304F34C2F}" type="slidenum">
+            <a:fld id="{1EBF6582-F1DA-4AED-BF3B-7891CD920A14}" type="slidenum">
               <a:rPr b="0" lang="en-US" sz="1400" strike="noStrike" u="none">
                 <a:solidFill>
                   <a:srgbClr val="000000"/>
@@ -915,7 +1422,7 @@
         <p:spPr>
           <a:xfrm>
             <a:off x="504000" y="5165280"/>
-            <a:ext cx="2347560" cy="389880"/>
+            <a:ext cx="2346480" cy="388800"/>
           </a:xfrm>
           <a:prstGeom prst="rect">
             <a:avLst/>
@@ -1303,7 +1810,7 @@
         <p:spPr>
           <a:xfrm>
             <a:off x="504000" y="226080"/>
-            <a:ext cx="9070920" cy="945720"/>
+            <a:ext cx="9069840" cy="944640"/>
           </a:xfrm>
           <a:prstGeom prst="rect">
             <a:avLst/>
@@ -1354,7 +1861,7 @@
         <p:spPr>
           <a:xfrm>
             <a:off x="504000" y="1326600"/>
-            <a:ext cx="9070920" cy="3287520"/>
+            <a:ext cx="9069840" cy="3286440"/>
           </a:xfrm>
           <a:prstGeom prst="rect">
             <a:avLst/>
@@ -1653,7 +2160,7 @@
         <p:spPr>
           <a:xfrm>
             <a:off x="3447360" y="5165280"/>
-            <a:ext cx="3194280" cy="389880"/>
+            <a:ext cx="3193200" cy="388800"/>
           </a:xfrm>
           <a:prstGeom prst="rect">
             <a:avLst/>
@@ -1728,7 +2235,7 @@
         <p:spPr>
           <a:xfrm>
             <a:off x="7227360" y="5165280"/>
-            <a:ext cx="2347560" cy="389880"/>
+            <a:ext cx="2346480" cy="388800"/>
           </a:xfrm>
           <a:prstGeom prst="rect">
             <a:avLst/>
@@ -1770,7 +2277,7 @@
                 <a:tab algn="l" pos="0"/>
               </a:tabLst>
             </a:pPr>
-            <a:fld id="{3C41F6EC-FF12-40D9-8937-015C5439B8C2}" type="slidenum">
+            <a:fld id="{24D37D05-AE08-43CC-B081-F830E2F7FE79}" type="slidenum">
               <a:rPr b="0" lang="en-US" sz="1400" strike="noStrike" u="none">
                 <a:solidFill>
                   <a:srgbClr val="000000"/>
@@ -1803,7 +2310,7 @@
         <p:spPr>
           <a:xfrm>
             <a:off x="504000" y="5165280"/>
-            <a:ext cx="2347560" cy="389880"/>
+            <a:ext cx="2346480" cy="388800"/>
           </a:xfrm>
           <a:prstGeom prst="rect">
             <a:avLst/>
@@ -1893,7 +2400,7 @@
         <p:spPr>
           <a:xfrm>
             <a:off x="504000" y="226080"/>
-            <a:ext cx="9070920" cy="945720"/>
+            <a:ext cx="9069840" cy="944640"/>
           </a:xfrm>
           <a:prstGeom prst="rect">
             <a:avLst/>
@@ -1944,7 +2451,7 @@
         <p:spPr>
           <a:xfrm>
             <a:off x="3447360" y="5165280"/>
-            <a:ext cx="3194280" cy="389880"/>
+            <a:ext cx="3193200" cy="388800"/>
           </a:xfrm>
           <a:prstGeom prst="rect">
             <a:avLst/>
@@ -2019,7 +2526,7 @@
         <p:spPr>
           <a:xfrm>
             <a:off x="7227360" y="5165280"/>
-            <a:ext cx="2347560" cy="389880"/>
+            <a:ext cx="2346480" cy="388800"/>
           </a:xfrm>
           <a:prstGeom prst="rect">
             <a:avLst/>
@@ -2061,7 +2568,7 @@
                 <a:tab algn="l" pos="0"/>
               </a:tabLst>
             </a:pPr>
-            <a:fld id="{75BA8F06-723C-4414-8524-6D5E1D89777D}" type="slidenum">
+            <a:fld id="{432B7168-3F65-4396-903F-51D69982EB62}" type="slidenum">
               <a:rPr b="0" lang="en-US" sz="1400" strike="noStrike" u="none">
                 <a:solidFill>
                   <a:srgbClr val="000000"/>
@@ -2094,7 +2601,7 @@
         <p:spPr>
           <a:xfrm>
             <a:off x="504000" y="5165280"/>
-            <a:ext cx="2347560" cy="389880"/>
+            <a:ext cx="2346480" cy="388800"/>
           </a:xfrm>
           <a:prstGeom prst="rect">
             <a:avLst/>
@@ -2149,6 +2656,876 @@
   <p:clrMap bg1="lt1" tx1="dk1" bg2="lt2" tx2="dk2" accent1="accent1" accent2="accent2" accent3="accent3" accent4="accent4" accent5="accent5" accent6="accent6" hlink="hlink" folHlink="folHlink"/>
   <p:sldLayoutIdLst>
     <p:sldLayoutId id="2147483654" r:id="rId2"/>
+  </p:sldLayoutIdLst>
+</p:sldMaster>
+</file>
+
+<file path=ppt/slideMasters/slideMaster4.xml><?xml version="1.0" encoding="utf-8"?>
+<p:sldMaster xmlns:a="http://schemas.openxmlformats.org/drawingml/2006/main" xmlns:p="http://schemas.openxmlformats.org/presentationml/2006/main" xmlns:r="http://schemas.openxmlformats.org/officeDocument/2006/relationships" xmlns:p14="http://schemas.microsoft.com/office/powerpoint/2010/main" xmlns:p15="http://schemas.microsoft.com/office/powerpoint/2012/main" xmlns:mc="http://schemas.openxmlformats.org/markup-compatibility/2006">
+  <p:cSld>
+    <p:spTree>
+      <p:nvGrpSpPr>
+        <p:cNvPr id="1" name=""/>
+        <p:cNvGrpSpPr/>
+        <p:nvPr/>
+      </p:nvGrpSpPr>
+      <p:grpSpPr>
+        <a:xfrm>
+          <a:off x="0" y="0"/>
+          <a:ext cx="0" cy="0"/>
+          <a:chOff x="0" y="0"/>
+          <a:chExt cx="0" cy="0"/>
+        </a:xfrm>
+      </p:grpSpPr>
+      <p:sp>
+        <p:nvSpPr>
+          <p:cNvPr id="22" name="PlaceHolder 1"/>
+          <p:cNvSpPr>
+            <a:spLocks noGrp="1"/>
+          </p:cNvSpPr>
+          <p:nvPr>
+            <p:ph type="title"/>
+          </p:nvPr>
+        </p:nvSpPr>
+        <p:spPr>
+          <a:xfrm>
+            <a:off x="504000" y="226080"/>
+            <a:ext cx="9069840" cy="944640"/>
+          </a:xfrm>
+          <a:prstGeom prst="rect">
+            <a:avLst/>
+          </a:prstGeom>
+          <a:noFill/>
+          <a:ln w="0">
+            <a:noFill/>
+          </a:ln>
+        </p:spPr>
+        <p:txBody>
+          <a:bodyPr lIns="0" rIns="0" tIns="0" bIns="0" anchor="ctr">
+            <a:noAutofit/>
+          </a:bodyPr>
+          <a:p>
+            <a:pPr indent="0">
+              <a:buNone/>
+            </a:pPr>
+            <a:r>
+              <a:rPr b="0" lang="ja-JP" sz="1800" strike="noStrike" u="none">
+                <a:solidFill>
+                  <a:srgbClr val="000000"/>
+                </a:solidFill>
+                <a:uFillTx/>
+                <a:latin typeface="Arial"/>
+              </a:rPr>
+              <a:t>クリックしてタイトルテキストを編集</a:t>
+            </a:r>
+            <a:endParaRPr b="0" lang="en-US" sz="1800" strike="noStrike" u="none">
+              <a:solidFill>
+                <a:srgbClr val="000000"/>
+              </a:solidFill>
+              <a:uFillTx/>
+              <a:latin typeface="Arial"/>
+            </a:endParaRPr>
+          </a:p>
+        </p:txBody>
+      </p:sp>
+      <p:sp>
+        <p:nvSpPr>
+          <p:cNvPr id="23" name="PlaceHolder 2"/>
+          <p:cNvSpPr>
+            <a:spLocks noGrp="1"/>
+          </p:cNvSpPr>
+          <p:nvPr>
+            <p:ph type="ftr" idx="10"/>
+          </p:nvPr>
+        </p:nvSpPr>
+        <p:spPr>
+          <a:xfrm>
+            <a:off x="3447360" y="5165280"/>
+            <a:ext cx="3193200" cy="388800"/>
+          </a:xfrm>
+          <a:prstGeom prst="rect">
+            <a:avLst/>
+          </a:prstGeom>
+          <a:noFill/>
+          <a:ln w="0">
+            <a:noFill/>
+          </a:ln>
+        </p:spPr>
+        <p:txBody>
+          <a:bodyPr lIns="0" rIns="0" tIns="0" bIns="0" anchor="t">
+            <a:noAutofit/>
+          </a:bodyPr>
+          <a:lstStyle>
+            <a:lvl1pPr indent="0" algn="ctr">
+              <a:lnSpc>
+                <a:spcPct val="100000"/>
+              </a:lnSpc>
+              <a:buNone/>
+              <a:tabLst>
+                <a:tab algn="l" pos="0"/>
+              </a:tabLst>
+              <a:defRPr b="0" lang="en-US" sz="1400" strike="noStrike" u="none">
+                <a:solidFill>
+                  <a:srgbClr val="000000"/>
+                </a:solidFill>
+                <a:uFillTx/>
+                <a:latin typeface="游明朝"/>
+              </a:defRPr>
+            </a:lvl1pPr>
+          </a:lstStyle>
+          <a:p>
+            <a:pPr indent="0" algn="ctr">
+              <a:lnSpc>
+                <a:spcPct val="100000"/>
+              </a:lnSpc>
+              <a:buNone/>
+              <a:tabLst>
+                <a:tab algn="l" pos="0"/>
+              </a:tabLst>
+            </a:pPr>
+            <a:r>
+              <a:rPr b="0" lang="en-US" sz="1400" strike="noStrike" u="none">
+                <a:solidFill>
+                  <a:srgbClr val="000000"/>
+                </a:solidFill>
+                <a:uFillTx/>
+                <a:latin typeface="游明朝"/>
+              </a:rPr>
+              <a:t> </a:t>
+            </a:r>
+            <a:endParaRPr b="0" lang="en-US" sz="1400" strike="noStrike" u="none">
+              <a:solidFill>
+                <a:srgbClr val="000000"/>
+              </a:solidFill>
+              <a:uFillTx/>
+              <a:latin typeface="游明朝"/>
+            </a:endParaRPr>
+          </a:p>
+        </p:txBody>
+      </p:sp>
+      <p:sp>
+        <p:nvSpPr>
+          <p:cNvPr id="24" name="PlaceHolder 3"/>
+          <p:cNvSpPr>
+            <a:spLocks noGrp="1"/>
+          </p:cNvSpPr>
+          <p:nvPr>
+            <p:ph type="sldNum" idx="11"/>
+          </p:nvPr>
+        </p:nvSpPr>
+        <p:spPr>
+          <a:xfrm>
+            <a:off x="7227360" y="5165280"/>
+            <a:ext cx="2346480" cy="388800"/>
+          </a:xfrm>
+          <a:prstGeom prst="rect">
+            <a:avLst/>
+          </a:prstGeom>
+          <a:noFill/>
+          <a:ln w="0">
+            <a:noFill/>
+          </a:ln>
+        </p:spPr>
+        <p:txBody>
+          <a:bodyPr lIns="0" rIns="0" tIns="0" bIns="0" anchor="t">
+            <a:noAutofit/>
+          </a:bodyPr>
+          <a:lstStyle>
+            <a:lvl1pPr indent="0" algn="r">
+              <a:lnSpc>
+                <a:spcPct val="100000"/>
+              </a:lnSpc>
+              <a:buNone/>
+              <a:tabLst>
+                <a:tab algn="l" pos="0"/>
+              </a:tabLst>
+              <a:defRPr b="0" lang="en-US" sz="1400" strike="noStrike" u="none">
+                <a:solidFill>
+                  <a:srgbClr val="000000"/>
+                </a:solidFill>
+                <a:uFillTx/>
+                <a:latin typeface="游明朝"/>
+              </a:defRPr>
+            </a:lvl1pPr>
+          </a:lstStyle>
+          <a:p>
+            <a:pPr indent="0" algn="r">
+              <a:lnSpc>
+                <a:spcPct val="100000"/>
+              </a:lnSpc>
+              <a:buNone/>
+              <a:tabLst>
+                <a:tab algn="l" pos="0"/>
+              </a:tabLst>
+            </a:pPr>
+            <a:fld id="{D82AB013-5225-40CB-A405-6D6A7AB0616A}" type="slidenum">
+              <a:rPr b="0" lang="en-US" sz="1400" strike="noStrike" u="none">
+                <a:solidFill>
+                  <a:srgbClr val="000000"/>
+                </a:solidFill>
+                <a:uFillTx/>
+                <a:latin typeface="游明朝"/>
+              </a:rPr>
+              <a:t>1</a:t>
+            </a:fld>
+            <a:endParaRPr b="0" lang="en-US" sz="1400" strike="noStrike" u="none">
+              <a:solidFill>
+                <a:srgbClr val="000000"/>
+              </a:solidFill>
+              <a:uFillTx/>
+              <a:latin typeface="游明朝"/>
+            </a:endParaRPr>
+          </a:p>
+        </p:txBody>
+      </p:sp>
+      <p:sp>
+        <p:nvSpPr>
+          <p:cNvPr id="25" name="PlaceHolder 4"/>
+          <p:cNvSpPr>
+            <a:spLocks noGrp="1"/>
+          </p:cNvSpPr>
+          <p:nvPr>
+            <p:ph type="dt" idx="12"/>
+          </p:nvPr>
+        </p:nvSpPr>
+        <p:spPr>
+          <a:xfrm>
+            <a:off x="504000" y="5165280"/>
+            <a:ext cx="2346480" cy="388800"/>
+          </a:xfrm>
+          <a:prstGeom prst="rect">
+            <a:avLst/>
+          </a:prstGeom>
+          <a:noFill/>
+          <a:ln w="0">
+            <a:noFill/>
+          </a:ln>
+        </p:spPr>
+        <p:txBody>
+          <a:bodyPr lIns="0" rIns="0" tIns="0" bIns="0" anchor="t">
+            <a:noAutofit/>
+          </a:bodyPr>
+          <a:lstStyle>
+            <a:lvl1pPr indent="0">
+              <a:buNone/>
+              <a:defRPr b="0" lang="en-US" sz="1400" strike="noStrike" u="none">
+                <a:solidFill>
+                  <a:srgbClr val="000000"/>
+                </a:solidFill>
+                <a:uFillTx/>
+                <a:latin typeface="游明朝"/>
+              </a:defRPr>
+            </a:lvl1pPr>
+          </a:lstStyle>
+          <a:p>
+            <a:pPr indent="0">
+              <a:buNone/>
+            </a:pPr>
+            <a:r>
+              <a:rPr b="0" lang="en-US" sz="1400" strike="noStrike" u="none">
+                <a:solidFill>
+                  <a:srgbClr val="000000"/>
+                </a:solidFill>
+                <a:uFillTx/>
+                <a:latin typeface="游明朝"/>
+              </a:rPr>
+              <a:t> </a:t>
+            </a:r>
+            <a:endParaRPr b="0" lang="en-US" sz="1400" strike="noStrike" u="none">
+              <a:solidFill>
+                <a:srgbClr val="000000"/>
+              </a:solidFill>
+              <a:uFillTx/>
+              <a:latin typeface="游明朝"/>
+            </a:endParaRPr>
+          </a:p>
+        </p:txBody>
+      </p:sp>
+    </p:spTree>
+  </p:cSld>
+  <p:clrMap bg1="lt1" tx1="dk1" bg2="lt2" tx2="dk2" accent1="accent1" accent2="accent2" accent3="accent3" accent4="accent4" accent5="accent5" accent6="accent6" hlink="hlink" folHlink="folHlink"/>
+  <p:sldLayoutIdLst>
+    <p:sldLayoutId id="2147483656" r:id="rId2"/>
+  </p:sldLayoutIdLst>
+</p:sldMaster>
+</file>
+
+<file path=ppt/slideMasters/slideMaster5.xml><?xml version="1.0" encoding="utf-8"?>
+<p:sldMaster xmlns:a="http://schemas.openxmlformats.org/drawingml/2006/main" xmlns:p="http://schemas.openxmlformats.org/presentationml/2006/main" xmlns:r="http://schemas.openxmlformats.org/officeDocument/2006/relationships" xmlns:p14="http://schemas.microsoft.com/office/powerpoint/2010/main" xmlns:p15="http://schemas.microsoft.com/office/powerpoint/2012/main" xmlns:mc="http://schemas.openxmlformats.org/markup-compatibility/2006">
+  <p:cSld>
+    <p:spTree>
+      <p:nvGrpSpPr>
+        <p:cNvPr id="1" name=""/>
+        <p:cNvGrpSpPr/>
+        <p:nvPr/>
+      </p:nvGrpSpPr>
+      <p:grpSpPr>
+        <a:xfrm>
+          <a:off x="0" y="0"/>
+          <a:ext cx="0" cy="0"/>
+          <a:chOff x="0" y="0"/>
+          <a:chExt cx="0" cy="0"/>
+        </a:xfrm>
+      </p:grpSpPr>
+      <p:sp>
+        <p:nvSpPr>
+          <p:cNvPr id="28" name="PlaceHolder 1"/>
+          <p:cNvSpPr>
+            <a:spLocks noGrp="1"/>
+          </p:cNvSpPr>
+          <p:nvPr>
+            <p:ph type="title"/>
+          </p:nvPr>
+        </p:nvSpPr>
+        <p:spPr>
+          <a:xfrm>
+            <a:off x="504000" y="226080"/>
+            <a:ext cx="9069840" cy="944640"/>
+          </a:xfrm>
+          <a:prstGeom prst="rect">
+            <a:avLst/>
+          </a:prstGeom>
+          <a:noFill/>
+          <a:ln w="0">
+            <a:noFill/>
+          </a:ln>
+        </p:spPr>
+        <p:txBody>
+          <a:bodyPr lIns="0" rIns="0" tIns="0" bIns="0" anchor="ctr">
+            <a:noAutofit/>
+          </a:bodyPr>
+          <a:p>
+            <a:pPr indent="0">
+              <a:buNone/>
+            </a:pPr>
+            <a:r>
+              <a:rPr b="0" lang="ja-JP" sz="1800" strike="noStrike" u="none">
+                <a:solidFill>
+                  <a:srgbClr val="000000"/>
+                </a:solidFill>
+                <a:uFillTx/>
+                <a:latin typeface="Arial"/>
+              </a:rPr>
+              <a:t>クリックしてタイトルテキストを編集</a:t>
+            </a:r>
+            <a:endParaRPr b="0" lang="en-US" sz="1800" strike="noStrike" u="none">
+              <a:solidFill>
+                <a:srgbClr val="000000"/>
+              </a:solidFill>
+              <a:uFillTx/>
+              <a:latin typeface="Arial"/>
+            </a:endParaRPr>
+          </a:p>
+        </p:txBody>
+      </p:sp>
+      <p:sp>
+        <p:nvSpPr>
+          <p:cNvPr id="29" name="PlaceHolder 2"/>
+          <p:cNvSpPr>
+            <a:spLocks noGrp="1"/>
+          </p:cNvSpPr>
+          <p:nvPr>
+            <p:ph type="ftr" idx="13"/>
+          </p:nvPr>
+        </p:nvSpPr>
+        <p:spPr>
+          <a:xfrm>
+            <a:off x="3447360" y="5165280"/>
+            <a:ext cx="3193200" cy="388800"/>
+          </a:xfrm>
+          <a:prstGeom prst="rect">
+            <a:avLst/>
+          </a:prstGeom>
+          <a:noFill/>
+          <a:ln w="0">
+            <a:noFill/>
+          </a:ln>
+        </p:spPr>
+        <p:txBody>
+          <a:bodyPr lIns="0" rIns="0" tIns="0" bIns="0" anchor="t">
+            <a:noAutofit/>
+          </a:bodyPr>
+          <a:lstStyle>
+            <a:lvl1pPr indent="0" algn="ctr">
+              <a:lnSpc>
+                <a:spcPct val="100000"/>
+              </a:lnSpc>
+              <a:buNone/>
+              <a:tabLst>
+                <a:tab algn="l" pos="0"/>
+              </a:tabLst>
+              <a:defRPr b="0" lang="en-US" sz="1400" strike="noStrike" u="none">
+                <a:solidFill>
+                  <a:srgbClr val="000000"/>
+                </a:solidFill>
+                <a:uFillTx/>
+                <a:latin typeface="游明朝"/>
+              </a:defRPr>
+            </a:lvl1pPr>
+          </a:lstStyle>
+          <a:p>
+            <a:pPr indent="0" algn="ctr">
+              <a:lnSpc>
+                <a:spcPct val="100000"/>
+              </a:lnSpc>
+              <a:buNone/>
+              <a:tabLst>
+                <a:tab algn="l" pos="0"/>
+              </a:tabLst>
+            </a:pPr>
+            <a:r>
+              <a:rPr b="0" lang="en-US" sz="1400" strike="noStrike" u="none">
+                <a:solidFill>
+                  <a:srgbClr val="000000"/>
+                </a:solidFill>
+                <a:uFillTx/>
+                <a:latin typeface="游明朝"/>
+              </a:rPr>
+              <a:t> </a:t>
+            </a:r>
+            <a:endParaRPr b="0" lang="en-US" sz="1400" strike="noStrike" u="none">
+              <a:solidFill>
+                <a:srgbClr val="000000"/>
+              </a:solidFill>
+              <a:uFillTx/>
+              <a:latin typeface="游明朝"/>
+            </a:endParaRPr>
+          </a:p>
+        </p:txBody>
+      </p:sp>
+      <p:sp>
+        <p:nvSpPr>
+          <p:cNvPr id="30" name="PlaceHolder 3"/>
+          <p:cNvSpPr>
+            <a:spLocks noGrp="1"/>
+          </p:cNvSpPr>
+          <p:nvPr>
+            <p:ph type="sldNum" idx="14"/>
+          </p:nvPr>
+        </p:nvSpPr>
+        <p:spPr>
+          <a:xfrm>
+            <a:off x="7227360" y="5165280"/>
+            <a:ext cx="2346480" cy="388800"/>
+          </a:xfrm>
+          <a:prstGeom prst="rect">
+            <a:avLst/>
+          </a:prstGeom>
+          <a:noFill/>
+          <a:ln w="0">
+            <a:noFill/>
+          </a:ln>
+        </p:spPr>
+        <p:txBody>
+          <a:bodyPr lIns="0" rIns="0" tIns="0" bIns="0" anchor="t">
+            <a:noAutofit/>
+          </a:bodyPr>
+          <a:lstStyle>
+            <a:lvl1pPr indent="0" algn="r">
+              <a:lnSpc>
+                <a:spcPct val="100000"/>
+              </a:lnSpc>
+              <a:buNone/>
+              <a:tabLst>
+                <a:tab algn="l" pos="0"/>
+              </a:tabLst>
+              <a:defRPr b="0" lang="en-US" sz="1400" strike="noStrike" u="none">
+                <a:solidFill>
+                  <a:srgbClr val="000000"/>
+                </a:solidFill>
+                <a:uFillTx/>
+                <a:latin typeface="游明朝"/>
+              </a:defRPr>
+            </a:lvl1pPr>
+          </a:lstStyle>
+          <a:p>
+            <a:pPr indent="0" algn="r">
+              <a:lnSpc>
+                <a:spcPct val="100000"/>
+              </a:lnSpc>
+              <a:buNone/>
+              <a:tabLst>
+                <a:tab algn="l" pos="0"/>
+              </a:tabLst>
+            </a:pPr>
+            <a:fld id="{30144516-7AA3-4AFC-AA72-8030077D1B3B}" type="slidenum">
+              <a:rPr b="0" lang="en-US" sz="1400" strike="noStrike" u="none">
+                <a:solidFill>
+                  <a:srgbClr val="000000"/>
+                </a:solidFill>
+                <a:uFillTx/>
+                <a:latin typeface="游明朝"/>
+              </a:rPr>
+              <a:t>1</a:t>
+            </a:fld>
+            <a:endParaRPr b="0" lang="en-US" sz="1400" strike="noStrike" u="none">
+              <a:solidFill>
+                <a:srgbClr val="000000"/>
+              </a:solidFill>
+              <a:uFillTx/>
+              <a:latin typeface="游明朝"/>
+            </a:endParaRPr>
+          </a:p>
+        </p:txBody>
+      </p:sp>
+      <p:sp>
+        <p:nvSpPr>
+          <p:cNvPr id="31" name="PlaceHolder 4"/>
+          <p:cNvSpPr>
+            <a:spLocks noGrp="1"/>
+          </p:cNvSpPr>
+          <p:nvPr>
+            <p:ph type="dt" idx="15"/>
+          </p:nvPr>
+        </p:nvSpPr>
+        <p:spPr>
+          <a:xfrm>
+            <a:off x="504000" y="5165280"/>
+            <a:ext cx="2346480" cy="388800"/>
+          </a:xfrm>
+          <a:prstGeom prst="rect">
+            <a:avLst/>
+          </a:prstGeom>
+          <a:noFill/>
+          <a:ln w="0">
+            <a:noFill/>
+          </a:ln>
+        </p:spPr>
+        <p:txBody>
+          <a:bodyPr lIns="0" rIns="0" tIns="0" bIns="0" anchor="t">
+            <a:noAutofit/>
+          </a:bodyPr>
+          <a:lstStyle>
+            <a:lvl1pPr indent="0">
+              <a:buNone/>
+              <a:defRPr b="0" lang="en-US" sz="1400" strike="noStrike" u="none">
+                <a:solidFill>
+                  <a:srgbClr val="000000"/>
+                </a:solidFill>
+                <a:uFillTx/>
+                <a:latin typeface="游明朝"/>
+              </a:defRPr>
+            </a:lvl1pPr>
+          </a:lstStyle>
+          <a:p>
+            <a:pPr indent="0">
+              <a:buNone/>
+            </a:pPr>
+            <a:r>
+              <a:rPr b="0" lang="en-US" sz="1400" strike="noStrike" u="none">
+                <a:solidFill>
+                  <a:srgbClr val="000000"/>
+                </a:solidFill>
+                <a:uFillTx/>
+                <a:latin typeface="游明朝"/>
+              </a:rPr>
+              <a:t> </a:t>
+            </a:r>
+            <a:endParaRPr b="0" lang="en-US" sz="1400" strike="noStrike" u="none">
+              <a:solidFill>
+                <a:srgbClr val="000000"/>
+              </a:solidFill>
+              <a:uFillTx/>
+              <a:latin typeface="游明朝"/>
+            </a:endParaRPr>
+          </a:p>
+        </p:txBody>
+      </p:sp>
+    </p:spTree>
+  </p:cSld>
+  <p:clrMap bg1="lt1" tx1="dk1" bg2="lt2" tx2="dk2" accent1="accent1" accent2="accent2" accent3="accent3" accent4="accent4" accent5="accent5" accent6="accent6" hlink="hlink" folHlink="folHlink"/>
+  <p:sldLayoutIdLst>
+    <p:sldLayoutId id="2147483658" r:id="rId2"/>
+  </p:sldLayoutIdLst>
+</p:sldMaster>
+</file>
+
+<file path=ppt/slideMasters/slideMaster6.xml><?xml version="1.0" encoding="utf-8"?>
+<p:sldMaster xmlns:a="http://schemas.openxmlformats.org/drawingml/2006/main" xmlns:p="http://schemas.openxmlformats.org/presentationml/2006/main" xmlns:r="http://schemas.openxmlformats.org/officeDocument/2006/relationships" xmlns:p14="http://schemas.microsoft.com/office/powerpoint/2010/main" xmlns:p15="http://schemas.microsoft.com/office/powerpoint/2012/main" xmlns:mc="http://schemas.openxmlformats.org/markup-compatibility/2006">
+  <p:cSld>
+    <p:spTree>
+      <p:nvGrpSpPr>
+        <p:cNvPr id="1" name=""/>
+        <p:cNvGrpSpPr/>
+        <p:nvPr/>
+      </p:nvGrpSpPr>
+      <p:grpSpPr>
+        <a:xfrm>
+          <a:off x="0" y="0"/>
+          <a:ext cx="0" cy="0"/>
+          <a:chOff x="0" y="0"/>
+          <a:chExt cx="0" cy="0"/>
+        </a:xfrm>
+      </p:grpSpPr>
+      <p:sp>
+        <p:nvSpPr>
+          <p:cNvPr id="34" name="PlaceHolder 1"/>
+          <p:cNvSpPr>
+            <a:spLocks noGrp="1"/>
+          </p:cNvSpPr>
+          <p:nvPr>
+            <p:ph type="title"/>
+          </p:nvPr>
+        </p:nvSpPr>
+        <p:spPr>
+          <a:xfrm>
+            <a:off x="504000" y="226080"/>
+            <a:ext cx="9069840" cy="944640"/>
+          </a:xfrm>
+          <a:prstGeom prst="rect">
+            <a:avLst/>
+          </a:prstGeom>
+          <a:noFill/>
+          <a:ln w="0">
+            <a:noFill/>
+          </a:ln>
+        </p:spPr>
+        <p:txBody>
+          <a:bodyPr lIns="0" rIns="0" tIns="0" bIns="0" anchor="ctr">
+            <a:noAutofit/>
+          </a:bodyPr>
+          <a:p>
+            <a:pPr indent="0">
+              <a:buNone/>
+            </a:pPr>
+            <a:r>
+              <a:rPr b="0" lang="ja-JP" sz="1800" strike="noStrike" u="none">
+                <a:solidFill>
+                  <a:srgbClr val="000000"/>
+                </a:solidFill>
+                <a:uFillTx/>
+                <a:latin typeface="Arial"/>
+              </a:rPr>
+              <a:t>クリックしてタイトルテキストを編集</a:t>
+            </a:r>
+            <a:endParaRPr b="0" lang="en-US" sz="1800" strike="noStrike" u="none">
+              <a:solidFill>
+                <a:srgbClr val="000000"/>
+              </a:solidFill>
+              <a:uFillTx/>
+              <a:latin typeface="Arial"/>
+            </a:endParaRPr>
+          </a:p>
+        </p:txBody>
+      </p:sp>
+      <p:sp>
+        <p:nvSpPr>
+          <p:cNvPr id="35" name="PlaceHolder 2"/>
+          <p:cNvSpPr>
+            <a:spLocks noGrp="1"/>
+          </p:cNvSpPr>
+          <p:nvPr>
+            <p:ph type="ftr" idx="16"/>
+          </p:nvPr>
+        </p:nvSpPr>
+        <p:spPr>
+          <a:xfrm>
+            <a:off x="3447360" y="5165280"/>
+            <a:ext cx="3193200" cy="388800"/>
+          </a:xfrm>
+          <a:prstGeom prst="rect">
+            <a:avLst/>
+          </a:prstGeom>
+          <a:noFill/>
+          <a:ln w="0">
+            <a:noFill/>
+          </a:ln>
+        </p:spPr>
+        <p:txBody>
+          <a:bodyPr lIns="0" rIns="0" tIns="0" bIns="0" anchor="t">
+            <a:noAutofit/>
+          </a:bodyPr>
+          <a:lstStyle>
+            <a:lvl1pPr indent="0" algn="ctr">
+              <a:lnSpc>
+                <a:spcPct val="100000"/>
+              </a:lnSpc>
+              <a:buNone/>
+              <a:tabLst>
+                <a:tab algn="l" pos="0"/>
+              </a:tabLst>
+              <a:defRPr b="0" lang="en-US" sz="1400" strike="noStrike" u="none">
+                <a:solidFill>
+                  <a:srgbClr val="000000"/>
+                </a:solidFill>
+                <a:uFillTx/>
+                <a:latin typeface="游明朝"/>
+              </a:defRPr>
+            </a:lvl1pPr>
+          </a:lstStyle>
+          <a:p>
+            <a:pPr indent="0" algn="ctr">
+              <a:lnSpc>
+                <a:spcPct val="100000"/>
+              </a:lnSpc>
+              <a:buNone/>
+              <a:tabLst>
+                <a:tab algn="l" pos="0"/>
+              </a:tabLst>
+            </a:pPr>
+            <a:r>
+              <a:rPr b="0" lang="en-US" sz="1400" strike="noStrike" u="none">
+                <a:solidFill>
+                  <a:srgbClr val="000000"/>
+                </a:solidFill>
+                <a:uFillTx/>
+                <a:latin typeface="游明朝"/>
+              </a:rPr>
+              <a:t> </a:t>
+            </a:r>
+            <a:endParaRPr b="0" lang="en-US" sz="1400" strike="noStrike" u="none">
+              <a:solidFill>
+                <a:srgbClr val="000000"/>
+              </a:solidFill>
+              <a:uFillTx/>
+              <a:latin typeface="游明朝"/>
+            </a:endParaRPr>
+          </a:p>
+        </p:txBody>
+      </p:sp>
+      <p:sp>
+        <p:nvSpPr>
+          <p:cNvPr id="36" name="PlaceHolder 3"/>
+          <p:cNvSpPr>
+            <a:spLocks noGrp="1"/>
+          </p:cNvSpPr>
+          <p:nvPr>
+            <p:ph type="sldNum" idx="17"/>
+          </p:nvPr>
+        </p:nvSpPr>
+        <p:spPr>
+          <a:xfrm>
+            <a:off x="7227360" y="5165280"/>
+            <a:ext cx="2346480" cy="388800"/>
+          </a:xfrm>
+          <a:prstGeom prst="rect">
+            <a:avLst/>
+          </a:prstGeom>
+          <a:noFill/>
+          <a:ln w="0">
+            <a:noFill/>
+          </a:ln>
+        </p:spPr>
+        <p:txBody>
+          <a:bodyPr lIns="0" rIns="0" tIns="0" bIns="0" anchor="t">
+            <a:noAutofit/>
+          </a:bodyPr>
+          <a:lstStyle>
+            <a:lvl1pPr indent="0" algn="r">
+              <a:lnSpc>
+                <a:spcPct val="100000"/>
+              </a:lnSpc>
+              <a:buNone/>
+              <a:tabLst>
+                <a:tab algn="l" pos="0"/>
+              </a:tabLst>
+              <a:defRPr b="0" lang="en-US" sz="1400" strike="noStrike" u="none">
+                <a:solidFill>
+                  <a:srgbClr val="000000"/>
+                </a:solidFill>
+                <a:uFillTx/>
+                <a:latin typeface="游明朝"/>
+              </a:defRPr>
+            </a:lvl1pPr>
+          </a:lstStyle>
+          <a:p>
+            <a:pPr indent="0" algn="r">
+              <a:lnSpc>
+                <a:spcPct val="100000"/>
+              </a:lnSpc>
+              <a:buNone/>
+              <a:tabLst>
+                <a:tab algn="l" pos="0"/>
+              </a:tabLst>
+            </a:pPr>
+            <a:fld id="{A0389892-0690-4592-96AF-1EAAEF68C661}" type="slidenum">
+              <a:rPr b="0" lang="en-US" sz="1400" strike="noStrike" u="none">
+                <a:solidFill>
+                  <a:srgbClr val="000000"/>
+                </a:solidFill>
+                <a:uFillTx/>
+                <a:latin typeface="游明朝"/>
+              </a:rPr>
+              <a:t>1</a:t>
+            </a:fld>
+            <a:endParaRPr b="0" lang="en-US" sz="1400" strike="noStrike" u="none">
+              <a:solidFill>
+                <a:srgbClr val="000000"/>
+              </a:solidFill>
+              <a:uFillTx/>
+              <a:latin typeface="游明朝"/>
+            </a:endParaRPr>
+          </a:p>
+        </p:txBody>
+      </p:sp>
+      <p:sp>
+        <p:nvSpPr>
+          <p:cNvPr id="37" name="PlaceHolder 4"/>
+          <p:cNvSpPr>
+            <a:spLocks noGrp="1"/>
+          </p:cNvSpPr>
+          <p:nvPr>
+            <p:ph type="dt" idx="18"/>
+          </p:nvPr>
+        </p:nvSpPr>
+        <p:spPr>
+          <a:xfrm>
+            <a:off x="504000" y="5165280"/>
+            <a:ext cx="2346480" cy="388800"/>
+          </a:xfrm>
+          <a:prstGeom prst="rect">
+            <a:avLst/>
+          </a:prstGeom>
+          <a:noFill/>
+          <a:ln w="0">
+            <a:noFill/>
+          </a:ln>
+        </p:spPr>
+        <p:txBody>
+          <a:bodyPr lIns="0" rIns="0" tIns="0" bIns="0" anchor="t">
+            <a:noAutofit/>
+          </a:bodyPr>
+          <a:lstStyle>
+            <a:lvl1pPr indent="0">
+              <a:buNone/>
+              <a:defRPr b="0" lang="en-US" sz="1400" strike="noStrike" u="none">
+                <a:solidFill>
+                  <a:srgbClr val="000000"/>
+                </a:solidFill>
+                <a:uFillTx/>
+                <a:latin typeface="游明朝"/>
+              </a:defRPr>
+            </a:lvl1pPr>
+          </a:lstStyle>
+          <a:p>
+            <a:pPr indent="0">
+              <a:buNone/>
+            </a:pPr>
+            <a:r>
+              <a:rPr b="0" lang="en-US" sz="1400" strike="noStrike" u="none">
+                <a:solidFill>
+                  <a:srgbClr val="000000"/>
+                </a:solidFill>
+                <a:uFillTx/>
+                <a:latin typeface="游明朝"/>
+              </a:rPr>
+              <a:t> </a:t>
+            </a:r>
+            <a:endParaRPr b="0" lang="en-US" sz="1400" strike="noStrike" u="none">
+              <a:solidFill>
+                <a:srgbClr val="000000"/>
+              </a:solidFill>
+              <a:uFillTx/>
+              <a:latin typeface="游明朝"/>
+            </a:endParaRPr>
+          </a:p>
+        </p:txBody>
+      </p:sp>
+    </p:spTree>
+  </p:cSld>
+  <p:clrMap bg1="lt1" tx1="dk1" bg2="lt2" tx2="dk2" accent1="accent1" accent2="accent2" accent3="accent3" accent4="accent4" accent5="accent5" accent6="accent6" hlink="hlink" folHlink="folHlink"/>
+  <p:sldLayoutIdLst>
+    <p:sldLayoutId id="2147483660" r:id="rId2"/>
   </p:sldLayoutIdLst>
 </p:sldMaster>
 </file>
@@ -2172,7 +3549,7 @@
       </p:grpSpPr>
       <p:pic>
         <p:nvPicPr>
-          <p:cNvPr id="22" name="" descr=""/>
+          <p:cNvPr id="40" name="" descr=""/>
           <p:cNvPicPr/>
           <p:nvPr/>
         </p:nvPicPr>
@@ -2183,7 +3560,7 @@
         <p:spPr>
           <a:xfrm>
             <a:off x="248400" y="0"/>
-            <a:ext cx="4697280" cy="4679280"/>
+            <a:ext cx="4696200" cy="4678200"/>
           </a:xfrm>
           <a:prstGeom prst="rect">
             <a:avLst/>
@@ -2196,7 +3573,7 @@
       </p:pic>
       <p:pic>
         <p:nvPicPr>
-          <p:cNvPr id="23" name="" descr=""/>
+          <p:cNvPr id="41" name="" descr=""/>
           <p:cNvPicPr/>
           <p:nvPr/>
         </p:nvPicPr>
@@ -2207,7 +3584,7 @@
         <p:spPr>
           <a:xfrm>
             <a:off x="5400000" y="339840"/>
-            <a:ext cx="2608920" cy="1999440"/>
+            <a:ext cx="2607840" cy="1998360"/>
           </a:xfrm>
           <a:prstGeom prst="rect">
             <a:avLst/>
@@ -2220,7 +3597,7 @@
       </p:pic>
       <p:pic>
         <p:nvPicPr>
-          <p:cNvPr id="24" name="" descr=""/>
+          <p:cNvPr id="42" name="" descr=""/>
           <p:cNvPicPr/>
           <p:nvPr/>
         </p:nvPicPr>
@@ -2231,7 +3608,7 @@
         <p:spPr>
           <a:xfrm>
             <a:off x="5613120" y="3533400"/>
-            <a:ext cx="2666160" cy="1865880"/>
+            <a:ext cx="2665080" cy="1864800"/>
           </a:xfrm>
           <a:prstGeom prst="rect">
             <a:avLst/>
@@ -2244,7 +3621,7 @@
       </p:pic>
       <p:pic>
         <p:nvPicPr>
-          <p:cNvPr id="25" name="" descr=""/>
+          <p:cNvPr id="43" name="" descr=""/>
           <p:cNvPicPr/>
           <p:nvPr/>
         </p:nvPicPr>
@@ -2255,7 +3632,439 @@
         <p:spPr>
           <a:xfrm>
             <a:off x="7691400" y="2491560"/>
-            <a:ext cx="2027880" cy="1827720"/>
+            <a:ext cx="2026800" cy="1826640"/>
+          </a:xfrm>
+          <a:prstGeom prst="rect">
+            <a:avLst/>
+          </a:prstGeom>
+          <a:noFill/>
+          <a:ln w="0">
+            <a:noFill/>
+          </a:ln>
+        </p:spPr>
+      </p:pic>
+    </p:spTree>
+  </p:cSld>
+  <mc:AlternateContent>
+    <mc:Choice Requires="p14">
+      <p:transition spd="slow" p14:dur="2000"/>
+    </mc:Choice>
+    <mc:Fallback>
+      <p:transition spd="slow"/>
+    </mc:Fallback>
+  </mc:AlternateContent>
+</p:sld>
+</file>
+
+<file path=ppt/slides/slide10.xml><?xml version="1.0" encoding="utf-8"?>
+<p:sld xmlns:a="http://schemas.openxmlformats.org/drawingml/2006/main" xmlns:p="http://schemas.openxmlformats.org/presentationml/2006/main" xmlns:r="http://schemas.openxmlformats.org/officeDocument/2006/relationships" xmlns:p14="http://schemas.microsoft.com/office/powerpoint/2010/main" xmlns:p15="http://schemas.microsoft.com/office/powerpoint/2012/main" xmlns:mc="http://schemas.openxmlformats.org/markup-compatibility/2006">
+  <p:cSld>
+    <p:spTree>
+      <p:nvGrpSpPr>
+        <p:cNvPr id="1" name=""/>
+        <p:cNvGrpSpPr/>
+        <p:nvPr/>
+      </p:nvGrpSpPr>
+      <p:grpSpPr>
+        <a:xfrm>
+          <a:off x="0" y="0"/>
+          <a:ext cx="0" cy="0"/>
+          <a:chOff x="0" y="0"/>
+          <a:chExt cx="0" cy="0"/>
+        </a:xfrm>
+      </p:grpSpPr>
+      <p:pic>
+        <p:nvPicPr>
+          <p:cNvPr id="51" name="" descr=""/>
+          <p:cNvPicPr/>
+          <p:nvPr/>
+        </p:nvPicPr>
+        <p:blipFill>
+          <a:blip r:embed="rId1"/>
+          <a:stretch/>
+        </p:blipFill>
+        <p:spPr>
+          <a:xfrm>
+            <a:off x="2122920" y="691560"/>
+            <a:ext cx="5810040" cy="4276440"/>
+          </a:xfrm>
+          <a:prstGeom prst="rect">
+            <a:avLst/>
+          </a:prstGeom>
+          <a:noFill/>
+          <a:ln w="0">
+            <a:noFill/>
+          </a:ln>
+        </p:spPr>
+      </p:pic>
+    </p:spTree>
+  </p:cSld>
+  <mc:AlternateContent>
+    <mc:Choice Requires="p14">
+      <p:transition spd="slow" p14:dur="2000"/>
+    </mc:Choice>
+    <mc:Fallback>
+      <p:transition spd="slow"/>
+    </mc:Fallback>
+  </mc:AlternateContent>
+</p:sld>
+</file>
+
+<file path=ppt/slides/slide11.xml><?xml version="1.0" encoding="utf-8"?>
+<p:sld xmlns:a="http://schemas.openxmlformats.org/drawingml/2006/main" xmlns:p="http://schemas.openxmlformats.org/presentationml/2006/main" xmlns:r="http://schemas.openxmlformats.org/officeDocument/2006/relationships" xmlns:p14="http://schemas.microsoft.com/office/powerpoint/2010/main" xmlns:p15="http://schemas.microsoft.com/office/powerpoint/2012/main" xmlns:mc="http://schemas.openxmlformats.org/markup-compatibility/2006">
+  <p:cSld>
+    <p:spTree>
+      <p:nvGrpSpPr>
+        <p:cNvPr id="1" name=""/>
+        <p:cNvGrpSpPr/>
+        <p:nvPr/>
+      </p:nvGrpSpPr>
+      <p:grpSpPr>
+        <a:xfrm>
+          <a:off x="0" y="0"/>
+          <a:ext cx="0" cy="0"/>
+          <a:chOff x="0" y="0"/>
+          <a:chExt cx="0" cy="0"/>
+        </a:xfrm>
+      </p:grpSpPr>
+      <p:pic>
+        <p:nvPicPr>
+          <p:cNvPr id="52" name="" descr=""/>
+          <p:cNvPicPr/>
+          <p:nvPr/>
+        </p:nvPicPr>
+        <p:blipFill>
+          <a:blip r:embed="rId1"/>
+          <a:stretch/>
+        </p:blipFill>
+        <p:spPr>
+          <a:xfrm>
+            <a:off x="2297880" y="-2520"/>
+            <a:ext cx="5498640" cy="5670360"/>
+          </a:xfrm>
+          <a:prstGeom prst="rect">
+            <a:avLst/>
+          </a:prstGeom>
+          <a:noFill/>
+          <a:ln w="0">
+            <a:noFill/>
+          </a:ln>
+        </p:spPr>
+      </p:pic>
+    </p:spTree>
+  </p:cSld>
+  <mc:AlternateContent>
+    <mc:Choice Requires="p14">
+      <p:transition spd="slow" p14:dur="2000"/>
+    </mc:Choice>
+    <mc:Fallback>
+      <p:transition spd="slow"/>
+    </mc:Fallback>
+  </mc:AlternateContent>
+</p:sld>
+</file>
+
+<file path=ppt/slides/slide12.xml><?xml version="1.0" encoding="utf-8"?>
+<p:sld xmlns:a="http://schemas.openxmlformats.org/drawingml/2006/main" xmlns:p="http://schemas.openxmlformats.org/presentationml/2006/main" xmlns:r="http://schemas.openxmlformats.org/officeDocument/2006/relationships" xmlns:p14="http://schemas.microsoft.com/office/powerpoint/2010/main" xmlns:p15="http://schemas.microsoft.com/office/powerpoint/2012/main" xmlns:mc="http://schemas.openxmlformats.org/markup-compatibility/2006">
+  <p:cSld>
+    <p:spTree>
+      <p:nvGrpSpPr>
+        <p:cNvPr id="1" name=""/>
+        <p:cNvGrpSpPr/>
+        <p:nvPr/>
+      </p:nvGrpSpPr>
+      <p:grpSpPr>
+        <a:xfrm>
+          <a:off x="0" y="0"/>
+          <a:ext cx="0" cy="0"/>
+          <a:chOff x="0" y="0"/>
+          <a:chExt cx="0" cy="0"/>
+        </a:xfrm>
+      </p:grpSpPr>
+      <p:pic>
+        <p:nvPicPr>
+          <p:cNvPr id="53" name="" descr=""/>
+          <p:cNvPicPr/>
+          <p:nvPr/>
+        </p:nvPicPr>
+        <p:blipFill>
+          <a:blip r:embed="rId1"/>
+          <a:stretch/>
+        </p:blipFill>
+        <p:spPr>
+          <a:xfrm>
+            <a:off x="2297880" y="-2520"/>
+            <a:ext cx="5498640" cy="5670360"/>
+          </a:xfrm>
+          <a:prstGeom prst="rect">
+            <a:avLst/>
+          </a:prstGeom>
+          <a:noFill/>
+          <a:ln w="0">
+            <a:noFill/>
+          </a:ln>
+        </p:spPr>
+      </p:pic>
+    </p:spTree>
+  </p:cSld>
+  <mc:AlternateContent>
+    <mc:Choice Requires="p14">
+      <p:transition spd="slow" p14:dur="2000"/>
+    </mc:Choice>
+    <mc:Fallback>
+      <p:transition spd="slow"/>
+    </mc:Fallback>
+  </mc:AlternateContent>
+</p:sld>
+</file>
+
+<file path=ppt/slides/slide13.xml><?xml version="1.0" encoding="utf-8"?>
+<p:sld xmlns:a="http://schemas.openxmlformats.org/drawingml/2006/main" xmlns:p="http://schemas.openxmlformats.org/presentationml/2006/main" xmlns:r="http://schemas.openxmlformats.org/officeDocument/2006/relationships" xmlns:p14="http://schemas.microsoft.com/office/powerpoint/2010/main" xmlns:p15="http://schemas.microsoft.com/office/powerpoint/2012/main" xmlns:mc="http://schemas.openxmlformats.org/markup-compatibility/2006">
+  <p:cSld>
+    <p:spTree>
+      <p:nvGrpSpPr>
+        <p:cNvPr id="1" name=""/>
+        <p:cNvGrpSpPr/>
+        <p:nvPr/>
+      </p:nvGrpSpPr>
+      <p:grpSpPr>
+        <a:xfrm>
+          <a:off x="0" y="0"/>
+          <a:ext cx="0" cy="0"/>
+          <a:chOff x="0" y="0"/>
+          <a:chExt cx="0" cy="0"/>
+        </a:xfrm>
+      </p:grpSpPr>
+      <p:pic>
+        <p:nvPicPr>
+          <p:cNvPr id="54" name="" descr=""/>
+          <p:cNvPicPr/>
+          <p:nvPr/>
+        </p:nvPicPr>
+        <p:blipFill>
+          <a:blip r:embed="rId1"/>
+          <a:stretch/>
+        </p:blipFill>
+        <p:spPr>
+          <a:xfrm>
+            <a:off x="2297880" y="-2520"/>
+            <a:ext cx="5498640" cy="5670360"/>
+          </a:xfrm>
+          <a:prstGeom prst="rect">
+            <a:avLst/>
+          </a:prstGeom>
+          <a:noFill/>
+          <a:ln w="0">
+            <a:noFill/>
+          </a:ln>
+        </p:spPr>
+      </p:pic>
+    </p:spTree>
+  </p:cSld>
+  <mc:AlternateContent>
+    <mc:Choice Requires="p14">
+      <p:transition spd="slow" p14:dur="2000"/>
+    </mc:Choice>
+    <mc:Fallback>
+      <p:transition spd="slow"/>
+    </mc:Fallback>
+  </mc:AlternateContent>
+</p:sld>
+</file>
+
+<file path=ppt/slides/slide14.xml><?xml version="1.0" encoding="utf-8"?>
+<p:sld xmlns:a="http://schemas.openxmlformats.org/drawingml/2006/main" xmlns:p="http://schemas.openxmlformats.org/presentationml/2006/main" xmlns:r="http://schemas.openxmlformats.org/officeDocument/2006/relationships" xmlns:p14="http://schemas.microsoft.com/office/powerpoint/2010/main" xmlns:p15="http://schemas.microsoft.com/office/powerpoint/2012/main" xmlns:mc="http://schemas.openxmlformats.org/markup-compatibility/2006">
+  <p:cSld>
+    <p:spTree>
+      <p:nvGrpSpPr>
+        <p:cNvPr id="1" name=""/>
+        <p:cNvGrpSpPr/>
+        <p:nvPr/>
+      </p:nvGrpSpPr>
+      <p:grpSpPr>
+        <a:xfrm>
+          <a:off x="0" y="0"/>
+          <a:ext cx="0" cy="0"/>
+          <a:chOff x="0" y="0"/>
+          <a:chExt cx="0" cy="0"/>
+        </a:xfrm>
+      </p:grpSpPr>
+      <p:pic>
+        <p:nvPicPr>
+          <p:cNvPr id="55" name="" descr=""/>
+          <p:cNvPicPr/>
+          <p:nvPr/>
+        </p:nvPicPr>
+        <p:blipFill>
+          <a:blip r:embed="rId1"/>
+          <a:stretch/>
+        </p:blipFill>
+        <p:spPr>
+          <a:xfrm>
+            <a:off x="2297880" y="-2520"/>
+            <a:ext cx="5498640" cy="5670360"/>
+          </a:xfrm>
+          <a:prstGeom prst="rect">
+            <a:avLst/>
+          </a:prstGeom>
+          <a:noFill/>
+          <a:ln w="0">
+            <a:noFill/>
+          </a:ln>
+        </p:spPr>
+      </p:pic>
+    </p:spTree>
+  </p:cSld>
+  <mc:AlternateContent>
+    <mc:Choice Requires="p14">
+      <p:transition spd="slow" p14:dur="2000"/>
+    </mc:Choice>
+    <mc:Fallback>
+      <p:transition spd="slow"/>
+    </mc:Fallback>
+  </mc:AlternateContent>
+</p:sld>
+</file>
+
+<file path=ppt/slides/slide15.xml><?xml version="1.0" encoding="utf-8"?>
+<p:sld xmlns:a="http://schemas.openxmlformats.org/drawingml/2006/main" xmlns:p="http://schemas.openxmlformats.org/presentationml/2006/main" xmlns:r="http://schemas.openxmlformats.org/officeDocument/2006/relationships" xmlns:p14="http://schemas.microsoft.com/office/powerpoint/2010/main" xmlns:p15="http://schemas.microsoft.com/office/powerpoint/2012/main" xmlns:mc="http://schemas.openxmlformats.org/markup-compatibility/2006">
+  <p:cSld>
+    <p:spTree>
+      <p:nvGrpSpPr>
+        <p:cNvPr id="1" name=""/>
+        <p:cNvGrpSpPr/>
+        <p:nvPr/>
+      </p:nvGrpSpPr>
+      <p:grpSpPr>
+        <a:xfrm>
+          <a:off x="0" y="0"/>
+          <a:ext cx="0" cy="0"/>
+          <a:chOff x="0" y="0"/>
+          <a:chExt cx="0" cy="0"/>
+        </a:xfrm>
+      </p:grpSpPr>
+      <p:pic>
+        <p:nvPicPr>
+          <p:cNvPr id="56" name="" descr=""/>
+          <p:cNvPicPr/>
+          <p:nvPr/>
+        </p:nvPicPr>
+        <p:blipFill>
+          <a:blip r:embed="rId1"/>
+          <a:stretch/>
+        </p:blipFill>
+        <p:spPr>
+          <a:xfrm>
+            <a:off x="2297880" y="-2520"/>
+            <a:ext cx="5498640" cy="5670360"/>
+          </a:xfrm>
+          <a:prstGeom prst="rect">
+            <a:avLst/>
+          </a:prstGeom>
+          <a:noFill/>
+          <a:ln w="0">
+            <a:noFill/>
+          </a:ln>
+        </p:spPr>
+      </p:pic>
+    </p:spTree>
+  </p:cSld>
+  <mc:AlternateContent>
+    <mc:Choice Requires="p14">
+      <p:transition spd="slow" p14:dur="2000"/>
+    </mc:Choice>
+    <mc:Fallback>
+      <p:transition spd="slow"/>
+    </mc:Fallback>
+  </mc:AlternateContent>
+</p:sld>
+</file>
+
+<file path=ppt/slides/slide16.xml><?xml version="1.0" encoding="utf-8"?>
+<p:sld xmlns:a="http://schemas.openxmlformats.org/drawingml/2006/main" xmlns:p="http://schemas.openxmlformats.org/presentationml/2006/main" xmlns:r="http://schemas.openxmlformats.org/officeDocument/2006/relationships" xmlns:p14="http://schemas.microsoft.com/office/powerpoint/2010/main" xmlns:p15="http://schemas.microsoft.com/office/powerpoint/2012/main" xmlns:mc="http://schemas.openxmlformats.org/markup-compatibility/2006">
+  <p:cSld>
+    <p:spTree>
+      <p:nvGrpSpPr>
+        <p:cNvPr id="1" name=""/>
+        <p:cNvGrpSpPr/>
+        <p:nvPr/>
+      </p:nvGrpSpPr>
+      <p:grpSpPr>
+        <a:xfrm>
+          <a:off x="0" y="0"/>
+          <a:ext cx="0" cy="0"/>
+          <a:chOff x="0" y="0"/>
+          <a:chExt cx="0" cy="0"/>
+        </a:xfrm>
+      </p:grpSpPr>
+      <p:pic>
+        <p:nvPicPr>
+          <p:cNvPr id="57" name="" descr=""/>
+          <p:cNvPicPr/>
+          <p:nvPr/>
+        </p:nvPicPr>
+        <p:blipFill>
+          <a:blip r:embed="rId1"/>
+          <a:stretch/>
+        </p:blipFill>
+        <p:spPr>
+          <a:xfrm>
+            <a:off x="2297880" y="-2520"/>
+            <a:ext cx="5498640" cy="5670360"/>
+          </a:xfrm>
+          <a:prstGeom prst="rect">
+            <a:avLst/>
+          </a:prstGeom>
+          <a:noFill/>
+          <a:ln w="0">
+            <a:noFill/>
+          </a:ln>
+        </p:spPr>
+      </p:pic>
+    </p:spTree>
+  </p:cSld>
+  <mc:AlternateContent>
+    <mc:Choice Requires="p14">
+      <p:transition spd="slow" p14:dur="2000"/>
+    </mc:Choice>
+    <mc:Fallback>
+      <p:transition spd="slow"/>
+    </mc:Fallback>
+  </mc:AlternateContent>
+</p:sld>
+</file>
+
+<file path=ppt/slides/slide17.xml><?xml version="1.0" encoding="utf-8"?>
+<p:sld xmlns:a="http://schemas.openxmlformats.org/drawingml/2006/main" xmlns:p="http://schemas.openxmlformats.org/presentationml/2006/main" xmlns:r="http://schemas.openxmlformats.org/officeDocument/2006/relationships" xmlns:p14="http://schemas.microsoft.com/office/powerpoint/2010/main" xmlns:p15="http://schemas.microsoft.com/office/powerpoint/2012/main" xmlns:mc="http://schemas.openxmlformats.org/markup-compatibility/2006">
+  <p:cSld>
+    <p:spTree>
+      <p:nvGrpSpPr>
+        <p:cNvPr id="1" name=""/>
+        <p:cNvGrpSpPr/>
+        <p:nvPr/>
+      </p:nvGrpSpPr>
+      <p:grpSpPr>
+        <a:xfrm>
+          <a:off x="0" y="0"/>
+          <a:ext cx="0" cy="0"/>
+          <a:chOff x="0" y="0"/>
+          <a:chExt cx="0" cy="0"/>
+        </a:xfrm>
+      </p:grpSpPr>
+      <p:pic>
+        <p:nvPicPr>
+          <p:cNvPr id="58" name="" descr=""/>
+          <p:cNvPicPr/>
+          <p:nvPr/>
+        </p:nvPicPr>
+        <p:blipFill>
+          <a:blip r:embed="rId1"/>
+          <a:stretch/>
+        </p:blipFill>
+        <p:spPr>
+          <a:xfrm>
+            <a:off x="2295360" y="-1440"/>
+            <a:ext cx="5498640" cy="5670360"/>
           </a:xfrm>
           <a:prstGeom prst="rect">
             <a:avLst/>
@@ -2298,7 +4107,7 @@
       </p:grpSpPr>
       <p:pic>
         <p:nvPicPr>
-          <p:cNvPr id="26" name="" descr=""/>
+          <p:cNvPr id="44" name="" descr=""/>
           <p:cNvPicPr/>
           <p:nvPr/>
         </p:nvPicPr>
@@ -2309,7 +4118,7 @@
         <p:spPr>
           <a:xfrm>
             <a:off x="2355480" y="34920"/>
-            <a:ext cx="5497200" cy="5668920"/>
+            <a:ext cx="5496120" cy="5667840"/>
           </a:xfrm>
           <a:prstGeom prst="rect">
             <a:avLst/>
@@ -2352,7 +4161,7 @@
       </p:grpSpPr>
       <p:pic>
         <p:nvPicPr>
-          <p:cNvPr id="27" name="" descr=""/>
+          <p:cNvPr id="45" name="" descr=""/>
           <p:cNvPicPr/>
           <p:nvPr/>
         </p:nvPicPr>
@@ -2363,7 +4172,7 @@
         <p:spPr>
           <a:xfrm>
             <a:off x="2355480" y="401040"/>
-            <a:ext cx="5497200" cy="5668920"/>
+            <a:ext cx="5496120" cy="5667840"/>
           </a:xfrm>
           <a:prstGeom prst="rect">
             <a:avLst/>
@@ -2436,7 +4245,7 @@
       </p:grpSpPr>
       <p:pic>
         <p:nvPicPr>
-          <p:cNvPr id="28" name="" descr=""/>
+          <p:cNvPr id="46" name="" descr=""/>
           <p:cNvPicPr/>
           <p:nvPr/>
         </p:nvPicPr>
@@ -2447,7 +4256,7 @@
         <p:spPr>
           <a:xfrm>
             <a:off x="2355120" y="34560"/>
-            <a:ext cx="5498280" cy="5670000"/>
+            <a:ext cx="5497200" cy="5668920"/>
           </a:xfrm>
           <a:prstGeom prst="rect">
             <a:avLst/>
@@ -2490,7 +4299,7 @@
       </p:grpSpPr>
       <p:pic>
         <p:nvPicPr>
-          <p:cNvPr id="29" name="" descr=""/>
+          <p:cNvPr id="47" name="" descr=""/>
           <p:cNvPicPr/>
           <p:nvPr/>
         </p:nvPicPr>
@@ -2501,7 +4310,7 @@
         <p:spPr>
           <a:xfrm>
             <a:off x="2355120" y="34560"/>
-            <a:ext cx="5498280" cy="5670000"/>
+            <a:ext cx="5497200" cy="5668920"/>
           </a:xfrm>
           <a:prstGeom prst="rect">
             <a:avLst/>
@@ -2544,7 +4353,7 @@
       </p:grpSpPr>
       <p:pic>
         <p:nvPicPr>
-          <p:cNvPr id="30" name="" descr=""/>
+          <p:cNvPr id="48" name="" descr=""/>
           <p:cNvPicPr/>
           <p:nvPr/>
         </p:nvPicPr>
@@ -2555,7 +4364,7 @@
         <p:spPr>
           <a:xfrm>
             <a:off x="2355120" y="34560"/>
-            <a:ext cx="5498640" cy="5670360"/>
+            <a:ext cx="5497560" cy="5669280"/>
           </a:xfrm>
           <a:prstGeom prst="rect">
             <a:avLst/>
@@ -2598,7 +4407,7 @@
       </p:grpSpPr>
       <p:pic>
         <p:nvPicPr>
-          <p:cNvPr id="31" name="" descr=""/>
+          <p:cNvPr id="49" name="" descr=""/>
           <p:cNvPicPr/>
           <p:nvPr/>
         </p:nvPicPr>
@@ -2609,7 +4418,61 @@
         <p:spPr>
           <a:xfrm>
             <a:off x="2464200" y="262800"/>
-            <a:ext cx="5498640" cy="5670360"/>
+            <a:ext cx="5497560" cy="5669280"/>
+          </a:xfrm>
+          <a:prstGeom prst="rect">
+            <a:avLst/>
+          </a:prstGeom>
+          <a:noFill/>
+          <a:ln w="0">
+            <a:noFill/>
+          </a:ln>
+        </p:spPr>
+      </p:pic>
+    </p:spTree>
+  </p:cSld>
+  <mc:AlternateContent>
+    <mc:Choice Requires="p14">
+      <p:transition spd="slow" p14:dur="2000"/>
+    </mc:Choice>
+    <mc:Fallback>
+      <p:transition spd="slow"/>
+    </mc:Fallback>
+  </mc:AlternateContent>
+</p:sld>
+</file>
+
+<file path=ppt/slides/slide9.xml><?xml version="1.0" encoding="utf-8"?>
+<p:sld xmlns:a="http://schemas.openxmlformats.org/drawingml/2006/main" xmlns:p="http://schemas.openxmlformats.org/presentationml/2006/main" xmlns:r="http://schemas.openxmlformats.org/officeDocument/2006/relationships" xmlns:p14="http://schemas.microsoft.com/office/powerpoint/2010/main" xmlns:p15="http://schemas.microsoft.com/office/powerpoint/2012/main" xmlns:mc="http://schemas.openxmlformats.org/markup-compatibility/2006">
+  <p:cSld>
+    <p:spTree>
+      <p:nvGrpSpPr>
+        <p:cNvPr id="1" name=""/>
+        <p:cNvGrpSpPr/>
+        <p:nvPr/>
+      </p:nvGrpSpPr>
+      <p:grpSpPr>
+        <a:xfrm>
+          <a:off x="0" y="0"/>
+          <a:ext cx="0" cy="0"/>
+          <a:chOff x="0" y="0"/>
+          <a:chExt cx="0" cy="0"/>
+        </a:xfrm>
+      </p:grpSpPr>
+      <p:pic>
+        <p:nvPicPr>
+          <p:cNvPr id="50" name="" descr=""/>
+          <p:cNvPicPr/>
+          <p:nvPr/>
+        </p:nvPicPr>
+        <p:blipFill>
+          <a:blip r:embed="rId1"/>
+          <a:stretch/>
+        </p:blipFill>
+        <p:spPr>
+          <a:xfrm>
+            <a:off x="1621800" y="-11160"/>
+            <a:ext cx="6881400" cy="5669640"/>
           </a:xfrm>
           <a:prstGeom prst="rect">
             <a:avLst/>
@@ -2949,4 +4812,322 @@
     </a:fmtScheme>
   </a:themeElements>
 </a:theme>
+</file>
+
+<file path=ppt/theme/theme4.xml><?xml version="1.0" encoding="utf-8"?>
+<a:theme xmlns:a="http://schemas.openxmlformats.org/drawingml/2006/main" xmlns:r="http://schemas.openxmlformats.org/officeDocument/2006/relationships" name="Office">
+  <a:themeElements>
+    <a:clrScheme name="LibreOffice">
+      <a:dk1>
+        <a:srgbClr val="000000"/>
+      </a:dk1>
+      <a:lt1>
+        <a:srgbClr val="ffffff"/>
+      </a:lt1>
+      <a:dk2>
+        <a:srgbClr val="000000"/>
+      </a:dk2>
+      <a:lt2>
+        <a:srgbClr val="ffffff"/>
+      </a:lt2>
+      <a:accent1>
+        <a:srgbClr val="18a303"/>
+      </a:accent1>
+      <a:accent2>
+        <a:srgbClr val="0369a3"/>
+      </a:accent2>
+      <a:accent3>
+        <a:srgbClr val="a33e03"/>
+      </a:accent3>
+      <a:accent4>
+        <a:srgbClr val="8e03a3"/>
+      </a:accent4>
+      <a:accent5>
+        <a:srgbClr val="c99c00"/>
+      </a:accent5>
+      <a:accent6>
+        <a:srgbClr val="c9211e"/>
+      </a:accent6>
+      <a:hlink>
+        <a:srgbClr val="0000ee"/>
+      </a:hlink>
+      <a:folHlink>
+        <a:srgbClr val="551a8b"/>
+      </a:folHlink>
+    </a:clrScheme>
+    <a:fontScheme name="Office">
+      <a:majorFont>
+        <a:latin typeface="Arial" pitchFamily="0" charset="1"/>
+        <a:ea typeface="DejaVu Sans" pitchFamily="0" charset="1"/>
+        <a:cs typeface="DejaVu Sans" pitchFamily="0" charset="1"/>
+      </a:majorFont>
+      <a:minorFont>
+        <a:latin typeface="Arial" pitchFamily="0" charset="1"/>
+        <a:ea typeface="DejaVu Sans" pitchFamily="0" charset="1"/>
+        <a:cs typeface="DejaVu Sans" pitchFamily="0" charset="1"/>
+      </a:minorFont>
+    </a:fontScheme>
+    <a:fmtScheme>
+      <a:fillStyleLst>
+        <a:solidFill>
+          <a:schemeClr val="phClr"/>
+        </a:solidFill>
+        <a:solidFill>
+          <a:schemeClr val="phClr"/>
+        </a:solidFill>
+        <a:solidFill>
+          <a:schemeClr val="phClr"/>
+        </a:solidFill>
+      </a:fillStyleLst>
+      <a:lnStyleLst>
+        <a:ln w="6350" cap="flat" cmpd="sng" algn="ctr">
+          <a:prstDash val="solid"/>
+          <a:miter/>
+        </a:ln>
+        <a:ln w="6350" cap="flat" cmpd="sng" algn="ctr">
+          <a:prstDash val="solid"/>
+          <a:miter/>
+        </a:ln>
+        <a:ln w="6350" cap="flat" cmpd="sng" algn="ctr">
+          <a:prstDash val="solid"/>
+          <a:miter/>
+        </a:ln>
+      </a:lnStyleLst>
+      <a:effectStyleLst>
+        <a:effectStyle>
+          <a:effectLst/>
+        </a:effectStyle>
+        <a:effectStyle>
+          <a:effectLst/>
+        </a:effectStyle>
+        <a:effectStyle>
+          <a:effectLst/>
+        </a:effectStyle>
+      </a:effectStyleLst>
+      <a:bgFillStyleLst>
+        <a:solidFill>
+          <a:schemeClr val="phClr"/>
+        </a:solidFill>
+        <a:solidFill>
+          <a:schemeClr val="phClr"/>
+        </a:solidFill>
+        <a:solidFill>
+          <a:schemeClr val="phClr"/>
+        </a:solidFill>
+      </a:bgFillStyleLst>
+    </a:fmtScheme>
+  </a:themeElements>
+</a:theme>
+</file>
+
+<file path=ppt/theme/theme5.xml><?xml version="1.0" encoding="utf-8"?>
+<a:theme xmlns:a="http://schemas.openxmlformats.org/drawingml/2006/main" xmlns:r="http://schemas.openxmlformats.org/officeDocument/2006/relationships" name="Office">
+  <a:themeElements>
+    <a:clrScheme name="LibreOffice">
+      <a:dk1>
+        <a:srgbClr val="000000"/>
+      </a:dk1>
+      <a:lt1>
+        <a:srgbClr val="ffffff"/>
+      </a:lt1>
+      <a:dk2>
+        <a:srgbClr val="000000"/>
+      </a:dk2>
+      <a:lt2>
+        <a:srgbClr val="ffffff"/>
+      </a:lt2>
+      <a:accent1>
+        <a:srgbClr val="18a303"/>
+      </a:accent1>
+      <a:accent2>
+        <a:srgbClr val="0369a3"/>
+      </a:accent2>
+      <a:accent3>
+        <a:srgbClr val="a33e03"/>
+      </a:accent3>
+      <a:accent4>
+        <a:srgbClr val="8e03a3"/>
+      </a:accent4>
+      <a:accent5>
+        <a:srgbClr val="c99c00"/>
+      </a:accent5>
+      <a:accent6>
+        <a:srgbClr val="c9211e"/>
+      </a:accent6>
+      <a:hlink>
+        <a:srgbClr val="0000ee"/>
+      </a:hlink>
+      <a:folHlink>
+        <a:srgbClr val="551a8b"/>
+      </a:folHlink>
+    </a:clrScheme>
+    <a:fontScheme name="Office">
+      <a:majorFont>
+        <a:latin typeface="Arial" pitchFamily="0" charset="1"/>
+        <a:ea typeface="DejaVu Sans" pitchFamily="0" charset="1"/>
+        <a:cs typeface="DejaVu Sans" pitchFamily="0" charset="1"/>
+      </a:majorFont>
+      <a:minorFont>
+        <a:latin typeface="Arial" pitchFamily="0" charset="1"/>
+        <a:ea typeface="DejaVu Sans" pitchFamily="0" charset="1"/>
+        <a:cs typeface="DejaVu Sans" pitchFamily="0" charset="1"/>
+      </a:minorFont>
+    </a:fontScheme>
+    <a:fmtScheme>
+      <a:fillStyleLst>
+        <a:solidFill>
+          <a:schemeClr val="phClr"/>
+        </a:solidFill>
+        <a:solidFill>
+          <a:schemeClr val="phClr"/>
+        </a:solidFill>
+        <a:solidFill>
+          <a:schemeClr val="phClr"/>
+        </a:solidFill>
+      </a:fillStyleLst>
+      <a:lnStyleLst>
+        <a:ln w="6350" cap="flat" cmpd="sng" algn="ctr">
+          <a:prstDash val="solid"/>
+          <a:miter/>
+        </a:ln>
+        <a:ln w="6350" cap="flat" cmpd="sng" algn="ctr">
+          <a:prstDash val="solid"/>
+          <a:miter/>
+        </a:ln>
+        <a:ln w="6350" cap="flat" cmpd="sng" algn="ctr">
+          <a:prstDash val="solid"/>
+          <a:miter/>
+        </a:ln>
+      </a:lnStyleLst>
+      <a:effectStyleLst>
+        <a:effectStyle>
+          <a:effectLst/>
+        </a:effectStyle>
+        <a:effectStyle>
+          <a:effectLst/>
+        </a:effectStyle>
+        <a:effectStyle>
+          <a:effectLst/>
+        </a:effectStyle>
+      </a:effectStyleLst>
+      <a:bgFillStyleLst>
+        <a:solidFill>
+          <a:schemeClr val="phClr"/>
+        </a:solidFill>
+        <a:solidFill>
+          <a:schemeClr val="phClr"/>
+        </a:solidFill>
+        <a:solidFill>
+          <a:schemeClr val="phClr"/>
+        </a:solidFill>
+      </a:bgFillStyleLst>
+    </a:fmtScheme>
+  </a:themeElements>
+</a:theme>
+</file>
+
+<file path=ppt/theme/theme6.xml><?xml version="1.0" encoding="utf-8"?>
+<a:theme xmlns:a="http://schemas.openxmlformats.org/drawingml/2006/main" xmlns:r="http://schemas.openxmlformats.org/officeDocument/2006/relationships" name="Office">
+  <a:themeElements>
+    <a:clrScheme name="LibreOffice">
+      <a:dk1>
+        <a:srgbClr val="000000"/>
+      </a:dk1>
+      <a:lt1>
+        <a:srgbClr val="ffffff"/>
+      </a:lt1>
+      <a:dk2>
+        <a:srgbClr val="000000"/>
+      </a:dk2>
+      <a:lt2>
+        <a:srgbClr val="ffffff"/>
+      </a:lt2>
+      <a:accent1>
+        <a:srgbClr val="18a303"/>
+      </a:accent1>
+      <a:accent2>
+        <a:srgbClr val="0369a3"/>
+      </a:accent2>
+      <a:accent3>
+        <a:srgbClr val="a33e03"/>
+      </a:accent3>
+      <a:accent4>
+        <a:srgbClr val="8e03a3"/>
+      </a:accent4>
+      <a:accent5>
+        <a:srgbClr val="c99c00"/>
+      </a:accent5>
+      <a:accent6>
+        <a:srgbClr val="c9211e"/>
+      </a:accent6>
+      <a:hlink>
+        <a:srgbClr val="0000ee"/>
+      </a:hlink>
+      <a:folHlink>
+        <a:srgbClr val="551a8b"/>
+      </a:folHlink>
+    </a:clrScheme>
+    <a:fontScheme name="Office">
+      <a:majorFont>
+        <a:latin typeface="Arial" pitchFamily="0" charset="1"/>
+        <a:ea typeface="DejaVu Sans" pitchFamily="0" charset="1"/>
+        <a:cs typeface="DejaVu Sans" pitchFamily="0" charset="1"/>
+      </a:majorFont>
+      <a:minorFont>
+        <a:latin typeface="Arial" pitchFamily="0" charset="1"/>
+        <a:ea typeface="DejaVu Sans" pitchFamily="0" charset="1"/>
+        <a:cs typeface="DejaVu Sans" pitchFamily="0" charset="1"/>
+      </a:minorFont>
+    </a:fontScheme>
+    <a:fmtScheme>
+      <a:fillStyleLst>
+        <a:solidFill>
+          <a:schemeClr val="phClr"/>
+        </a:solidFill>
+        <a:solidFill>
+          <a:schemeClr val="phClr"/>
+        </a:solidFill>
+        <a:solidFill>
+          <a:schemeClr val="phClr"/>
+        </a:solidFill>
+      </a:fillStyleLst>
+      <a:lnStyleLst>
+        <a:ln w="6350" cap="flat" cmpd="sng" algn="ctr">
+          <a:prstDash val="solid"/>
+          <a:miter/>
+        </a:ln>
+        <a:ln w="6350" cap="flat" cmpd="sng" algn="ctr">
+          <a:prstDash val="solid"/>
+          <a:miter/>
+        </a:ln>
+        <a:ln w="6350" cap="flat" cmpd="sng" algn="ctr">
+          <a:prstDash val="solid"/>
+          <a:miter/>
+        </a:ln>
+      </a:lnStyleLst>
+      <a:effectStyleLst>
+        <a:effectStyle>
+          <a:effectLst/>
+        </a:effectStyle>
+        <a:effectStyle>
+          <a:effectLst/>
+        </a:effectStyle>
+        <a:effectStyle>
+          <a:effectLst/>
+        </a:effectStyle>
+      </a:effectStyleLst>
+      <a:bgFillStyleLst>
+        <a:solidFill>
+          <a:schemeClr val="phClr"/>
+        </a:solidFill>
+        <a:solidFill>
+          <a:schemeClr val="phClr"/>
+        </a:solidFill>
+        <a:solidFill>
+          <a:schemeClr val="phClr"/>
+        </a:solidFill>
+      </a:bgFillStyleLst>
+    </a:fmtScheme>
+  </a:themeElements>
+</a:theme>
 </file>